--- a/Session 2/10.28.2020 Session 2.pptx
+++ b/Session 2/10.28.2020 Session 2.pptx
@@ -5,10 +5,10 @@
     <p:sldMasterId id="2147483648" r:id="rId5"/>
   </p:sldMasterIdLst>
   <p:notesMasterIdLst>
-    <p:notesMasterId r:id="rId11"/>
+    <p:notesMasterId r:id="rId18"/>
   </p:notesMasterIdLst>
   <p:handoutMasterIdLst>
-    <p:handoutMasterId r:id="rId12"/>
+    <p:handoutMasterId r:id="rId19"/>
   </p:handoutMasterIdLst>
   <p:sldIdLst>
     <p:sldId id="368" r:id="rId6"/>
@@ -16,6 +16,13 @@
     <p:sldId id="451" r:id="rId8"/>
     <p:sldId id="418" r:id="rId9"/>
     <p:sldId id="419" r:id="rId10"/>
+    <p:sldId id="452" r:id="rId11"/>
+    <p:sldId id="453" r:id="rId12"/>
+    <p:sldId id="454" r:id="rId13"/>
+    <p:sldId id="456" r:id="rId14"/>
+    <p:sldId id="455" r:id="rId15"/>
+    <p:sldId id="457" r:id="rId16"/>
+    <p:sldId id="458" r:id="rId17"/>
   </p:sldIdLst>
   <p:sldSz cx="10972800" cy="8229600" type="B4JIS"/>
   <p:notesSz cx="6858000" cy="9144000"/>
@@ -721,6 +728,96 @@
     <p:extLst>
       <p:ext uri="{BB962C8B-B14F-4D97-AF65-F5344CB8AC3E}">
         <p14:creationId xmlns:p14="http://schemas.microsoft.com/office/powerpoint/2010/main" val="1436984153"/>
+      </p:ext>
+    </p:extLst>
+  </p:cSld>
+  <p:clrMapOvr>
+    <a:masterClrMapping/>
+  </p:clrMapOvr>
+</p:notes>
+</file>
+
+<file path=ppt/notesSlides/notesSlide2.xml><?xml version="1.0" encoding="utf-8"?>
+<p:notes xmlns:a="http://schemas.openxmlformats.org/drawingml/2006/main" xmlns:r="http://schemas.openxmlformats.org/officeDocument/2006/relationships" xmlns:p="http://schemas.openxmlformats.org/presentationml/2006/main">
+  <p:cSld>
+    <p:spTree>
+      <p:nvGrpSpPr>
+        <p:cNvPr id="1" name=""/>
+        <p:cNvGrpSpPr/>
+        <p:nvPr/>
+      </p:nvGrpSpPr>
+      <p:grpSpPr>
+        <a:xfrm>
+          <a:off x="0" y="0"/>
+          <a:ext cx="0" cy="0"/>
+          <a:chOff x="0" y="0"/>
+          <a:chExt cx="0" cy="0"/>
+        </a:xfrm>
+      </p:grpSpPr>
+      <p:sp>
+        <p:nvSpPr>
+          <p:cNvPr id="2" name="Slide Image Placeholder 1"/>
+          <p:cNvSpPr>
+            <a:spLocks noGrp="1" noRot="1" noChangeAspect="1"/>
+          </p:cNvSpPr>
+          <p:nvPr>
+            <p:ph type="sldImg"/>
+          </p:nvPr>
+        </p:nvSpPr>
+        <p:spPr>
+          <a:xfrm>
+            <a:off x="1143000" y="685800"/>
+            <a:ext cx="4572000" cy="3429000"/>
+          </a:xfrm>
+        </p:spPr>
+      </p:sp>
+      <p:sp>
+        <p:nvSpPr>
+          <p:cNvPr id="3" name="Notes Placeholder 2"/>
+          <p:cNvSpPr>
+            <a:spLocks noGrp="1"/>
+          </p:cNvSpPr>
+          <p:nvPr>
+            <p:ph type="body" idx="1"/>
+          </p:nvPr>
+        </p:nvSpPr>
+        <p:spPr/>
+        <p:txBody>
+          <a:bodyPr/>
+          <a:lstStyle/>
+          <a:p>
+            <a:endParaRPr lang="en-US" dirty="0"/>
+          </a:p>
+        </p:txBody>
+      </p:sp>
+      <p:sp>
+        <p:nvSpPr>
+          <p:cNvPr id="4" name="Slide Number Placeholder 3"/>
+          <p:cNvSpPr>
+            <a:spLocks noGrp="1"/>
+          </p:cNvSpPr>
+          <p:nvPr>
+            <p:ph type="sldNum" sz="quarter" idx="10"/>
+          </p:nvPr>
+        </p:nvSpPr>
+        <p:spPr/>
+        <p:txBody>
+          <a:bodyPr/>
+          <a:lstStyle/>
+          <a:p>
+            <a:fld id="{60BDDD1B-7981-514B-B211-D97C9422D57B}" type="slidenum">
+              <a:rPr lang="en-US" smtClean="0"/>
+              <a:pPr/>
+              <a:t>9</a:t>
+            </a:fld>
+            <a:endParaRPr lang="en-US"/>
+          </a:p>
+        </p:txBody>
+      </p:sp>
+    </p:spTree>
+    <p:extLst>
+      <p:ext uri="{BB962C8B-B14F-4D97-AF65-F5344CB8AC3E}">
+        <p14:creationId xmlns:p14="http://schemas.microsoft.com/office/powerpoint/2010/main" val="2610849713"/>
       </p:ext>
     </p:extLst>
   </p:cSld>
@@ -6038,6 +6135,725 @@
 </p:sld>
 </file>
 
+<file path=ppt/slides/slide10.xml><?xml version="1.0" encoding="utf-8"?>
+<p:sld xmlns:a="http://schemas.openxmlformats.org/drawingml/2006/main" xmlns:r="http://schemas.openxmlformats.org/officeDocument/2006/relationships" xmlns:p="http://schemas.openxmlformats.org/presentationml/2006/main">
+  <p:cSld>
+    <p:spTree>
+      <p:nvGrpSpPr>
+        <p:cNvPr id="1" name=""/>
+        <p:cNvGrpSpPr/>
+        <p:nvPr/>
+      </p:nvGrpSpPr>
+      <p:grpSpPr>
+        <a:xfrm>
+          <a:off x="0" y="0"/>
+          <a:ext cx="0" cy="0"/>
+          <a:chOff x="0" y="0"/>
+          <a:chExt cx="0" cy="0"/>
+        </a:xfrm>
+      </p:grpSpPr>
+      <p:sp>
+        <p:nvSpPr>
+          <p:cNvPr id="3" name="Content Placeholder 2">
+            <a:extLst>
+              <a:ext uri="{FF2B5EF4-FFF2-40B4-BE49-F238E27FC236}">
+                <a16:creationId xmlns:a16="http://schemas.microsoft.com/office/drawing/2014/main" id="{457D2DED-F159-AD4F-806F-B71DC3BB06CA}"/>
+              </a:ext>
+            </a:extLst>
+          </p:cNvPr>
+          <p:cNvSpPr>
+            <a:spLocks noGrp="1"/>
+          </p:cNvSpPr>
+          <p:nvPr>
+            <p:ph sz="half" idx="1"/>
+          </p:nvPr>
+        </p:nvSpPr>
+        <p:spPr>
+          <a:xfrm>
+            <a:off x="828675" y="5874718"/>
+            <a:ext cx="9507311" cy="659444"/>
+          </a:xfrm>
+        </p:spPr>
+        <p:txBody>
+          <a:bodyPr/>
+          <a:lstStyle/>
+          <a:p>
+            <a:pPr marL="0" indent="0">
+              <a:buNone/>
+            </a:pPr>
+            <a:r>
+              <a:rPr lang="en-US" sz="2400" dirty="0">
+                <a:hlinkClick r:id="rId2"/>
+              </a:rPr>
+              <a:t>https://github.com/abilinski/MortalityCOVID19</a:t>
+            </a:r>
+            <a:endParaRPr lang="en-US" sz="2400" dirty="0"/>
+          </a:p>
+          <a:p>
+            <a:pPr marL="0" indent="0">
+              <a:buNone/>
+            </a:pPr>
+            <a:endParaRPr lang="en-US" dirty="0"/>
+          </a:p>
+        </p:txBody>
+      </p:sp>
+      <p:sp>
+        <p:nvSpPr>
+          <p:cNvPr id="4" name="Text Placeholder 3">
+            <a:extLst>
+              <a:ext uri="{FF2B5EF4-FFF2-40B4-BE49-F238E27FC236}">
+                <a16:creationId xmlns:a16="http://schemas.microsoft.com/office/drawing/2014/main" id="{F62B2BD3-F8C2-C34A-B65F-03EC0C368A87}"/>
+              </a:ext>
+            </a:extLst>
+          </p:cNvPr>
+          <p:cNvSpPr>
+            <a:spLocks noGrp="1"/>
+          </p:cNvSpPr>
+          <p:nvPr>
+            <p:ph type="body" sz="quarter" idx="11"/>
+          </p:nvPr>
+        </p:nvSpPr>
+        <p:spPr/>
+        <p:txBody>
+          <a:bodyPr/>
+          <a:lstStyle/>
+          <a:p>
+            <a:endParaRPr lang="en-US"/>
+          </a:p>
+        </p:txBody>
+      </p:sp>
+      <p:sp>
+        <p:nvSpPr>
+          <p:cNvPr id="5" name="Text Placeholder 4">
+            <a:extLst>
+              <a:ext uri="{FF2B5EF4-FFF2-40B4-BE49-F238E27FC236}">
+                <a16:creationId xmlns:a16="http://schemas.microsoft.com/office/drawing/2014/main" id="{7B48B2C0-9771-494E-B5CF-7C99ABD5BEE3}"/>
+              </a:ext>
+            </a:extLst>
+          </p:cNvPr>
+          <p:cNvSpPr>
+            <a:spLocks noGrp="1"/>
+          </p:cNvSpPr>
+          <p:nvPr>
+            <p:ph type="body" sz="quarter" idx="12"/>
+          </p:nvPr>
+        </p:nvSpPr>
+        <p:spPr/>
+        <p:txBody>
+          <a:bodyPr/>
+          <a:lstStyle/>
+          <a:p>
+            <a:endParaRPr lang="en-US"/>
+          </a:p>
+        </p:txBody>
+      </p:sp>
+      <p:sp>
+        <p:nvSpPr>
+          <p:cNvPr id="6" name="Text Placeholder 5">
+            <a:extLst>
+              <a:ext uri="{FF2B5EF4-FFF2-40B4-BE49-F238E27FC236}">
+                <a16:creationId xmlns:a16="http://schemas.microsoft.com/office/drawing/2014/main" id="{EB68B4B5-8EEE-E44B-8EF1-F4DBD9BB40D3}"/>
+              </a:ext>
+            </a:extLst>
+          </p:cNvPr>
+          <p:cNvSpPr>
+            <a:spLocks noGrp="1"/>
+          </p:cNvSpPr>
+          <p:nvPr>
+            <p:ph type="body" sz="quarter" idx="13"/>
+          </p:nvPr>
+        </p:nvSpPr>
+        <p:spPr/>
+        <p:txBody>
+          <a:bodyPr/>
+          <a:lstStyle/>
+          <a:p>
+            <a:endParaRPr lang="en-US"/>
+          </a:p>
+        </p:txBody>
+      </p:sp>
+      <p:sp>
+        <p:nvSpPr>
+          <p:cNvPr id="7" name="Text Placeholder 6">
+            <a:extLst>
+              <a:ext uri="{FF2B5EF4-FFF2-40B4-BE49-F238E27FC236}">
+                <a16:creationId xmlns:a16="http://schemas.microsoft.com/office/drawing/2014/main" id="{B8B5C2F0-673E-1E44-B2DD-E1F86292C1AA}"/>
+              </a:ext>
+            </a:extLst>
+          </p:cNvPr>
+          <p:cNvSpPr>
+            <a:spLocks noGrp="1"/>
+          </p:cNvSpPr>
+          <p:nvPr>
+            <p:ph type="body" sz="quarter" idx="15"/>
+          </p:nvPr>
+        </p:nvSpPr>
+        <p:spPr/>
+        <p:txBody>
+          <a:bodyPr/>
+          <a:lstStyle/>
+          <a:p>
+            <a:endParaRPr lang="en-US"/>
+          </a:p>
+        </p:txBody>
+      </p:sp>
+      <p:sp>
+        <p:nvSpPr>
+          <p:cNvPr id="8" name="Slide Number Placeholder 7">
+            <a:extLst>
+              <a:ext uri="{FF2B5EF4-FFF2-40B4-BE49-F238E27FC236}">
+                <a16:creationId xmlns:a16="http://schemas.microsoft.com/office/drawing/2014/main" id="{F9FBA5BE-87B7-894E-B403-54651999BB85}"/>
+              </a:ext>
+            </a:extLst>
+          </p:cNvPr>
+          <p:cNvSpPr>
+            <a:spLocks noGrp="1"/>
+          </p:cNvSpPr>
+          <p:nvPr>
+            <p:ph type="sldNum" sz="quarter" idx="16"/>
+          </p:nvPr>
+        </p:nvSpPr>
+        <p:spPr/>
+        <p:txBody>
+          <a:bodyPr/>
+          <a:lstStyle/>
+          <a:p>
+            <a:fld id="{1F4CD52B-44F2-2C4E-883F-5CCB9B09FC15}" type="slidenum">
+              <a:rPr lang="en-US" smtClean="0"/>
+              <a:t>10</a:t>
+            </a:fld>
+            <a:endParaRPr lang="en-US"/>
+          </a:p>
+        </p:txBody>
+      </p:sp>
+      <p:pic>
+        <p:nvPicPr>
+          <p:cNvPr id="9" name="Picture 8">
+            <a:extLst>
+              <a:ext uri="{FF2B5EF4-FFF2-40B4-BE49-F238E27FC236}">
+                <a16:creationId xmlns:a16="http://schemas.microsoft.com/office/drawing/2014/main" id="{84B86EE8-283B-FB42-B5EA-8F5A64D40524}"/>
+              </a:ext>
+            </a:extLst>
+          </p:cNvPr>
+          <p:cNvPicPr>
+            <a:picLocks noChangeAspect="1"/>
+          </p:cNvPicPr>
+          <p:nvPr/>
+        </p:nvPicPr>
+        <p:blipFill>
+          <a:blip r:embed="rId3"/>
+          <a:stretch>
+            <a:fillRect/>
+          </a:stretch>
+        </p:blipFill>
+        <p:spPr>
+          <a:xfrm>
+            <a:off x="756079" y="204221"/>
+            <a:ext cx="2798307" cy="1639966"/>
+          </a:xfrm>
+          <a:prstGeom prst="rect">
+            <a:avLst/>
+          </a:prstGeom>
+        </p:spPr>
+      </p:pic>
+      <p:pic>
+        <p:nvPicPr>
+          <p:cNvPr id="10" name="Picture 9" descr="Graphical user interface, text, application&#10;&#10;Description automatically generated">
+            <a:extLst>
+              <a:ext uri="{FF2B5EF4-FFF2-40B4-BE49-F238E27FC236}">
+                <a16:creationId xmlns:a16="http://schemas.microsoft.com/office/drawing/2014/main" id="{9547B0B4-9C4A-A645-AAA6-5B0B8AFFFE61}"/>
+              </a:ext>
+            </a:extLst>
+          </p:cNvPr>
+          <p:cNvPicPr>
+            <a:picLocks noChangeAspect="1"/>
+          </p:cNvPicPr>
+          <p:nvPr/>
+        </p:nvPicPr>
+        <p:blipFill>
+          <a:blip r:embed="rId4"/>
+          <a:stretch>
+            <a:fillRect/>
+          </a:stretch>
+        </p:blipFill>
+        <p:spPr>
+          <a:xfrm>
+            <a:off x="1962360" y="1920609"/>
+            <a:ext cx="6403681" cy="2577091"/>
+          </a:xfrm>
+          <a:prstGeom prst="rect">
+            <a:avLst/>
+          </a:prstGeom>
+        </p:spPr>
+      </p:pic>
+      <p:pic>
+        <p:nvPicPr>
+          <p:cNvPr id="11" name="Picture 10">
+            <a:extLst>
+              <a:ext uri="{FF2B5EF4-FFF2-40B4-BE49-F238E27FC236}">
+                <a16:creationId xmlns:a16="http://schemas.microsoft.com/office/drawing/2014/main" id="{AA973B48-6519-774A-B18D-F7662DF043D2}"/>
+              </a:ext>
+            </a:extLst>
+          </p:cNvPr>
+          <p:cNvPicPr>
+            <a:picLocks noChangeAspect="1"/>
+          </p:cNvPicPr>
+          <p:nvPr/>
+        </p:nvPicPr>
+        <p:blipFill>
+          <a:blip r:embed="rId5"/>
+          <a:stretch>
+            <a:fillRect/>
+          </a:stretch>
+        </p:blipFill>
+        <p:spPr>
+          <a:xfrm>
+            <a:off x="1785752" y="4992605"/>
+            <a:ext cx="7099300" cy="736600"/>
+          </a:xfrm>
+          <a:prstGeom prst="rect">
+            <a:avLst/>
+          </a:prstGeom>
+        </p:spPr>
+      </p:pic>
+    </p:spTree>
+    <p:extLst>
+      <p:ext uri="{BB962C8B-B14F-4D97-AF65-F5344CB8AC3E}">
+        <p14:creationId xmlns:p14="http://schemas.microsoft.com/office/powerpoint/2010/main" val="2203380076"/>
+      </p:ext>
+    </p:extLst>
+  </p:cSld>
+  <p:clrMapOvr>
+    <a:masterClrMapping/>
+  </p:clrMapOvr>
+  <mc:AlternateContent xmlns:mc="http://schemas.openxmlformats.org/markup-compatibility/2006" xmlns:p14="http://schemas.microsoft.com/office/powerpoint/2010/main">
+    <mc:Choice Requires="p14">
+      <p:transition spd="med" p14:dur="700">
+        <p:fade/>
+      </p:transition>
+    </mc:Choice>
+    <mc:Fallback xmlns="">
+      <p:transition spd="med">
+        <p:fade/>
+      </p:transition>
+    </mc:Fallback>
+  </mc:AlternateContent>
+</p:sld>
+</file>
+
+<file path=ppt/slides/slide11.xml><?xml version="1.0" encoding="utf-8"?>
+<p:sld xmlns:a="http://schemas.openxmlformats.org/drawingml/2006/main" xmlns:r="http://schemas.openxmlformats.org/officeDocument/2006/relationships" xmlns:p="http://schemas.openxmlformats.org/presentationml/2006/main">
+  <p:cSld>
+    <p:spTree>
+      <p:nvGrpSpPr>
+        <p:cNvPr id="1" name=""/>
+        <p:cNvGrpSpPr/>
+        <p:nvPr/>
+      </p:nvGrpSpPr>
+      <p:grpSpPr>
+        <a:xfrm>
+          <a:off x="0" y="0"/>
+          <a:ext cx="0" cy="0"/>
+          <a:chOff x="0" y="0"/>
+          <a:chExt cx="0" cy="0"/>
+        </a:xfrm>
+      </p:grpSpPr>
+      <p:pic>
+        <p:nvPicPr>
+          <p:cNvPr id="10" name="Content Placeholder 9" descr="Graphical user interface, text, application, email&#10;&#10;Description automatically generated">
+            <a:extLst>
+              <a:ext uri="{FF2B5EF4-FFF2-40B4-BE49-F238E27FC236}">
+                <a16:creationId xmlns:a16="http://schemas.microsoft.com/office/drawing/2014/main" id="{137CEA75-CFD1-FD43-AE52-4CF48DAF3650}"/>
+              </a:ext>
+            </a:extLst>
+          </p:cNvPr>
+          <p:cNvPicPr>
+            <a:picLocks noGrp="1" noChangeAspect="1"/>
+          </p:cNvPicPr>
+          <p:nvPr>
+            <p:ph sz="half" idx="1"/>
+          </p:nvPr>
+        </p:nvPicPr>
+        <p:blipFill>
+          <a:blip r:embed="rId2"/>
+          <a:stretch>
+            <a:fillRect/>
+          </a:stretch>
+        </p:blipFill>
+        <p:spPr>
+          <a:xfrm>
+            <a:off x="899108" y="80963"/>
+            <a:ext cx="9269834" cy="7554912"/>
+          </a:xfrm>
+          <a:noFill/>
+        </p:spPr>
+      </p:pic>
+      <p:sp>
+        <p:nvSpPr>
+          <p:cNvPr id="8" name="Slide Number Placeholder 7" hidden="1">
+            <a:extLst>
+              <a:ext uri="{FF2B5EF4-FFF2-40B4-BE49-F238E27FC236}">
+                <a16:creationId xmlns:a16="http://schemas.microsoft.com/office/drawing/2014/main" id="{E9BF3494-8602-EA49-BEB1-CEDF79963E79}"/>
+              </a:ext>
+            </a:extLst>
+          </p:cNvPr>
+          <p:cNvSpPr>
+            <a:spLocks noGrp="1"/>
+          </p:cNvSpPr>
+          <p:nvPr>
+            <p:ph type="sldNum" sz="quarter" idx="16"/>
+          </p:nvPr>
+        </p:nvSpPr>
+        <p:spPr/>
+        <p:txBody>
+          <a:bodyPr/>
+          <a:lstStyle/>
+          <a:p>
+            <a:pPr>
+              <a:spcAft>
+                <a:spcPts val="600"/>
+              </a:spcAft>
+            </a:pPr>
+            <a:fld id="{1F4CD52B-44F2-2C4E-883F-5CCB9B09FC15}" type="slidenum">
+              <a:rPr lang="en-US" smtClean="0"/>
+              <a:pPr>
+                <a:spcAft>
+                  <a:spcPts val="600"/>
+                </a:spcAft>
+              </a:pPr>
+              <a:t>11</a:t>
+            </a:fld>
+            <a:endParaRPr lang="en-US"/>
+          </a:p>
+        </p:txBody>
+      </p:sp>
+    </p:spTree>
+    <p:extLst>
+      <p:ext uri="{BB962C8B-B14F-4D97-AF65-F5344CB8AC3E}">
+        <p14:creationId xmlns:p14="http://schemas.microsoft.com/office/powerpoint/2010/main" val="2873135310"/>
+      </p:ext>
+    </p:extLst>
+  </p:cSld>
+  <p:clrMapOvr>
+    <a:masterClrMapping/>
+  </p:clrMapOvr>
+  <mc:AlternateContent xmlns:mc="http://schemas.openxmlformats.org/markup-compatibility/2006" xmlns:p14="http://schemas.microsoft.com/office/powerpoint/2010/main">
+    <mc:Choice Requires="p14">
+      <p:transition spd="med" p14:dur="700">
+        <p:fade/>
+      </p:transition>
+    </mc:Choice>
+    <mc:Fallback xmlns="">
+      <p:transition spd="med">
+        <p:fade/>
+      </p:transition>
+    </mc:Fallback>
+  </mc:AlternateContent>
+</p:sld>
+</file>
+
+<file path=ppt/slides/slide12.xml><?xml version="1.0" encoding="utf-8"?>
+<p:sld xmlns:a="http://schemas.openxmlformats.org/drawingml/2006/main" xmlns:r="http://schemas.openxmlformats.org/officeDocument/2006/relationships" xmlns:p="http://schemas.openxmlformats.org/presentationml/2006/main">
+  <p:cSld>
+    <p:spTree>
+      <p:nvGrpSpPr>
+        <p:cNvPr id="1" name=""/>
+        <p:cNvGrpSpPr/>
+        <p:nvPr/>
+      </p:nvGrpSpPr>
+      <p:grpSpPr>
+        <a:xfrm>
+          <a:off x="0" y="0"/>
+          <a:ext cx="0" cy="0"/>
+          <a:chOff x="0" y="0"/>
+          <a:chExt cx="0" cy="0"/>
+        </a:xfrm>
+      </p:grpSpPr>
+      <p:sp>
+        <p:nvSpPr>
+          <p:cNvPr id="2" name="Title 1">
+            <a:extLst>
+              <a:ext uri="{FF2B5EF4-FFF2-40B4-BE49-F238E27FC236}">
+                <a16:creationId xmlns:a16="http://schemas.microsoft.com/office/drawing/2014/main" id="{4A1E23B1-4D63-C149-9629-F528A2A80181}"/>
+              </a:ext>
+            </a:extLst>
+          </p:cNvPr>
+          <p:cNvSpPr>
+            <a:spLocks noGrp="1"/>
+          </p:cNvSpPr>
+          <p:nvPr>
+            <p:ph type="title"/>
+          </p:nvPr>
+        </p:nvSpPr>
+        <p:spPr>
+          <a:xfrm>
+            <a:off x="828675" y="694482"/>
+            <a:ext cx="9595485" cy="659444"/>
+          </a:xfrm>
+        </p:spPr>
+        <p:txBody>
+          <a:bodyPr>
+            <a:normAutofit/>
+          </a:bodyPr>
+          <a:lstStyle/>
+          <a:p>
+            <a:r>
+              <a:rPr lang="en-US" dirty="0"/>
+              <a:t>Thanks!</a:t>
+            </a:r>
+          </a:p>
+        </p:txBody>
+      </p:sp>
+      <p:sp>
+        <p:nvSpPr>
+          <p:cNvPr id="22" name="Content Placeholder 2">
+            <a:extLst>
+              <a:ext uri="{FF2B5EF4-FFF2-40B4-BE49-F238E27FC236}">
+                <a16:creationId xmlns:a16="http://schemas.microsoft.com/office/drawing/2014/main" id="{4DBF40B7-988B-4A71-B239-76AD7DAC0505}"/>
+              </a:ext>
+            </a:extLst>
+          </p:cNvPr>
+          <p:cNvSpPr>
+            <a:spLocks noGrp="1"/>
+          </p:cNvSpPr>
+          <p:nvPr>
+            <p:ph sz="half" idx="1"/>
+          </p:nvPr>
+        </p:nvSpPr>
+        <p:spPr>
+          <a:xfrm>
+            <a:off x="828675" y="2114868"/>
+            <a:ext cx="4544872" cy="5350804"/>
+          </a:xfrm>
+        </p:spPr>
+        <p:txBody>
+          <a:bodyPr/>
+          <a:lstStyle/>
+          <a:p>
+            <a:endParaRPr lang="en-US"/>
+          </a:p>
+        </p:txBody>
+      </p:sp>
+      <p:sp>
+        <p:nvSpPr>
+          <p:cNvPr id="24" name="Text Placeholder 3">
+            <a:extLst>
+              <a:ext uri="{FF2B5EF4-FFF2-40B4-BE49-F238E27FC236}">
+                <a16:creationId xmlns:a16="http://schemas.microsoft.com/office/drawing/2014/main" id="{68C8A8DE-897D-403F-A9B8-7008FB78E787}"/>
+              </a:ext>
+            </a:extLst>
+          </p:cNvPr>
+          <p:cNvSpPr>
+            <a:spLocks noGrp="1"/>
+          </p:cNvSpPr>
+          <p:nvPr>
+            <p:ph type="body" sz="quarter" idx="11"/>
+          </p:nvPr>
+        </p:nvSpPr>
+        <p:spPr>
+          <a:xfrm>
+            <a:off x="1944573" y="7866925"/>
+            <a:ext cx="893365" cy="304800"/>
+          </a:xfrm>
+        </p:spPr>
+        <p:txBody>
+          <a:bodyPr/>
+          <a:lstStyle/>
+          <a:p>
+            <a:endParaRPr lang="en-US"/>
+          </a:p>
+        </p:txBody>
+      </p:sp>
+      <p:sp>
+        <p:nvSpPr>
+          <p:cNvPr id="25" name="Text Placeholder 4">
+            <a:extLst>
+              <a:ext uri="{FF2B5EF4-FFF2-40B4-BE49-F238E27FC236}">
+                <a16:creationId xmlns:a16="http://schemas.microsoft.com/office/drawing/2014/main" id="{48F76F59-7F16-465F-8BAD-AE0605F3B14F}"/>
+              </a:ext>
+            </a:extLst>
+          </p:cNvPr>
+          <p:cNvSpPr>
+            <a:spLocks noGrp="1"/>
+          </p:cNvSpPr>
+          <p:nvPr>
+            <p:ph type="body" sz="quarter" idx="12"/>
+          </p:nvPr>
+        </p:nvSpPr>
+        <p:spPr>
+          <a:xfrm>
+            <a:off x="3107704" y="7866925"/>
+            <a:ext cx="893365" cy="304800"/>
+          </a:xfrm>
+        </p:spPr>
+        <p:txBody>
+          <a:bodyPr/>
+          <a:lstStyle/>
+          <a:p>
+            <a:endParaRPr lang="en-US"/>
+          </a:p>
+        </p:txBody>
+      </p:sp>
+      <p:sp>
+        <p:nvSpPr>
+          <p:cNvPr id="21" name="Text Placeholder 5">
+            <a:extLst>
+              <a:ext uri="{FF2B5EF4-FFF2-40B4-BE49-F238E27FC236}">
+                <a16:creationId xmlns:a16="http://schemas.microsoft.com/office/drawing/2014/main" id="{B6ABD80B-6AB0-4B21-B331-6E7EA6D350E1}"/>
+              </a:ext>
+            </a:extLst>
+          </p:cNvPr>
+          <p:cNvSpPr>
+            <a:spLocks noGrp="1"/>
+          </p:cNvSpPr>
+          <p:nvPr>
+            <p:ph type="body" sz="quarter" idx="13"/>
+          </p:nvPr>
+        </p:nvSpPr>
+        <p:spPr>
+          <a:xfrm>
+            <a:off x="4270836" y="7866925"/>
+            <a:ext cx="893365" cy="304800"/>
+          </a:xfrm>
+        </p:spPr>
+        <p:txBody>
+          <a:bodyPr/>
+          <a:lstStyle/>
+          <a:p>
+            <a:endParaRPr lang="en-US"/>
+          </a:p>
+        </p:txBody>
+      </p:sp>
+      <p:pic>
+        <p:nvPicPr>
+          <p:cNvPr id="10" name="Content Placeholder 9" descr="A group of stuffed animals&#10;&#10;Description automatically generated">
+            <a:extLst>
+              <a:ext uri="{FF2B5EF4-FFF2-40B4-BE49-F238E27FC236}">
+                <a16:creationId xmlns:a16="http://schemas.microsoft.com/office/drawing/2014/main" id="{2F6865A8-4CD0-6D42-8290-F69848A23E39}"/>
+              </a:ext>
+            </a:extLst>
+          </p:cNvPr>
+          <p:cNvPicPr>
+            <a:picLocks noGrp="1" noChangeAspect="1"/>
+          </p:cNvPicPr>
+          <p:nvPr>
+            <p:ph sz="half" idx="15"/>
+          </p:nvPr>
+        </p:nvPicPr>
+        <p:blipFill rotWithShape="1">
+          <a:blip r:embed="rId2"/>
+          <a:srcRect r="3" b="11703"/>
+          <a:stretch/>
+        </p:blipFill>
+        <p:spPr>
+          <a:xfrm>
+            <a:off x="5879289" y="2114868"/>
+            <a:ext cx="4544872" cy="5350804"/>
+          </a:xfrm>
+          <a:noFill/>
+        </p:spPr>
+      </p:pic>
+      <p:sp>
+        <p:nvSpPr>
+          <p:cNvPr id="23" name="Text Placeholder 7">
+            <a:extLst>
+              <a:ext uri="{FF2B5EF4-FFF2-40B4-BE49-F238E27FC236}">
+                <a16:creationId xmlns:a16="http://schemas.microsoft.com/office/drawing/2014/main" id="{D6681EF0-3E60-47FF-A7E4-F1DF97432E3C}"/>
+              </a:ext>
+            </a:extLst>
+          </p:cNvPr>
+          <p:cNvSpPr>
+            <a:spLocks noGrp="1"/>
+          </p:cNvSpPr>
+          <p:nvPr>
+            <p:ph type="body" sz="quarter" idx="16"/>
+          </p:nvPr>
+        </p:nvSpPr>
+        <p:spPr>
+          <a:xfrm>
+            <a:off x="5164201" y="7486650"/>
+            <a:ext cx="5808600" cy="369888"/>
+          </a:xfrm>
+        </p:spPr>
+        <p:txBody>
+          <a:bodyPr/>
+          <a:lstStyle/>
+          <a:p>
+            <a:endParaRPr lang="en-US"/>
+          </a:p>
+        </p:txBody>
+      </p:sp>
+      <p:sp>
+        <p:nvSpPr>
+          <p:cNvPr id="8" name="Slide Number Placeholder 7">
+            <a:extLst>
+              <a:ext uri="{FF2B5EF4-FFF2-40B4-BE49-F238E27FC236}">
+                <a16:creationId xmlns:a16="http://schemas.microsoft.com/office/drawing/2014/main" id="{87B42D6F-7CDE-564B-BEC1-AFC6EAD734E7}"/>
+              </a:ext>
+            </a:extLst>
+          </p:cNvPr>
+          <p:cNvSpPr>
+            <a:spLocks noGrp="1"/>
+          </p:cNvSpPr>
+          <p:nvPr>
+            <p:ph type="sldNum" sz="quarter" idx="17"/>
+          </p:nvPr>
+        </p:nvSpPr>
+        <p:spPr>
+          <a:xfrm>
+            <a:off x="7750175" y="7410228"/>
+            <a:ext cx="2468563" cy="438150"/>
+          </a:xfrm>
+        </p:spPr>
+        <p:txBody>
+          <a:bodyPr anchor="ctr">
+            <a:normAutofit/>
+          </a:bodyPr>
+          <a:lstStyle/>
+          <a:p>
+            <a:pPr>
+              <a:spcAft>
+                <a:spcPts val="600"/>
+              </a:spcAft>
+            </a:pPr>
+            <a:fld id="{1F4CD52B-44F2-2C4E-883F-5CCB9B09FC15}" type="slidenum">
+              <a:rPr lang="en-US" smtClean="0"/>
+              <a:pPr>
+                <a:spcAft>
+                  <a:spcPts val="600"/>
+                </a:spcAft>
+              </a:pPr>
+              <a:t>12</a:t>
+            </a:fld>
+            <a:endParaRPr lang="en-US"/>
+          </a:p>
+        </p:txBody>
+      </p:sp>
+    </p:spTree>
+    <p:extLst>
+      <p:ext uri="{BB962C8B-B14F-4D97-AF65-F5344CB8AC3E}">
+        <p14:creationId xmlns:p14="http://schemas.microsoft.com/office/powerpoint/2010/main" val="2479331200"/>
+      </p:ext>
+    </p:extLst>
+  </p:cSld>
+  <p:clrMapOvr>
+    <a:masterClrMapping/>
+  </p:clrMapOvr>
+  <mc:AlternateContent xmlns:mc="http://schemas.openxmlformats.org/markup-compatibility/2006" xmlns:p14="http://schemas.microsoft.com/office/powerpoint/2010/main">
+    <mc:Choice Requires="p14">
+      <p:transition spd="med" p14:dur="700">
+        <p:fade/>
+      </p:transition>
+    </mc:Choice>
+    <mc:Fallback xmlns="">
+      <p:transition spd="med">
+        <p:fade/>
+      </p:transition>
+    </mc:Fallback>
+  </mc:AlternateContent>
+</p:sld>
+</file>
+
 <file path=ppt/slides/slide2.xml><?xml version="1.0" encoding="utf-8"?>
 <p:sld xmlns:a="http://schemas.openxmlformats.org/drawingml/2006/main" xmlns:r="http://schemas.openxmlformats.org/officeDocument/2006/relationships" xmlns:p="http://schemas.openxmlformats.org/presentationml/2006/main">
   <p:cSld>
@@ -6474,6 +7290,129 @@
                       </p:childTnLst>
                     </p:cTn>
                   </p:par>
+                  <p:par>
+                    <p:cTn id="15" fill="hold">
+                      <p:stCondLst>
+                        <p:cond delay="indefinite"/>
+                      </p:stCondLst>
+                      <p:childTnLst>
+                        <p:par>
+                          <p:cTn id="16" fill="hold">
+                            <p:stCondLst>
+                              <p:cond delay="0"/>
+                            </p:stCondLst>
+                            <p:childTnLst>
+                              <p:par>
+                                <p:cTn id="17" presetID="9" presetClass="entr" presetSubtype="0" fill="hold" nodeType="clickEffect">
+                                  <p:stCondLst>
+                                    <p:cond delay="0"/>
+                                  </p:stCondLst>
+                                  <p:childTnLst>
+                                    <p:set>
+                                      <p:cBhvr>
+                                        <p:cTn id="18" dur="1" fill="hold">
+                                          <p:stCondLst>
+                                            <p:cond delay="0"/>
+                                          </p:stCondLst>
+                                        </p:cTn>
+                                        <p:tgtEl>
+                                          <p:spTgt spid="12"/>
+                                        </p:tgtEl>
+                                        <p:attrNameLst>
+                                          <p:attrName>style.visibility</p:attrName>
+                                        </p:attrNameLst>
+                                      </p:cBhvr>
+                                      <p:to>
+                                        <p:strVal val="visible"/>
+                                      </p:to>
+                                    </p:set>
+                                    <p:animEffect transition="in" filter="dissolve">
+                                      <p:cBhvr>
+                                        <p:cTn id="19" dur="500"/>
+                                        <p:tgtEl>
+                                          <p:spTgt spid="12"/>
+                                        </p:tgtEl>
+                                      </p:cBhvr>
+                                    </p:animEffect>
+                                  </p:childTnLst>
+                                </p:cTn>
+                              </p:par>
+                              <p:par>
+                                <p:cTn id="20" presetID="9" presetClass="entr" presetSubtype="0" fill="hold" nodeType="withEffect">
+                                  <p:stCondLst>
+                                    <p:cond delay="0"/>
+                                  </p:stCondLst>
+                                  <p:childTnLst>
+                                    <p:set>
+                                      <p:cBhvr>
+                                        <p:cTn id="21" dur="1" fill="hold">
+                                          <p:stCondLst>
+                                            <p:cond delay="0"/>
+                                          </p:stCondLst>
+                                        </p:cTn>
+                                        <p:tgtEl>
+                                          <p:spTgt spid="3"/>
+                                        </p:tgtEl>
+                                        <p:attrNameLst>
+                                          <p:attrName>style.visibility</p:attrName>
+                                        </p:attrNameLst>
+                                      </p:cBhvr>
+                                      <p:to>
+                                        <p:strVal val="visible"/>
+                                      </p:to>
+                                    </p:set>
+                                    <p:animEffect transition="in" filter="dissolve">
+                                      <p:cBhvr>
+                                        <p:cTn id="22" dur="500"/>
+                                        <p:tgtEl>
+                                          <p:spTgt spid="3"/>
+                                        </p:tgtEl>
+                                      </p:cBhvr>
+                                    </p:animEffect>
+                                  </p:childTnLst>
+                                </p:cTn>
+                              </p:par>
+                              <p:par>
+                                <p:cTn id="23" presetID="9" presetClass="entr" presetSubtype="0" fill="hold" nodeType="withEffect">
+                                  <p:stCondLst>
+                                    <p:cond delay="0"/>
+                                  </p:stCondLst>
+                                  <p:childTnLst>
+                                    <p:set>
+                                      <p:cBhvr>
+                                        <p:cTn id="24" dur="1" fill="hold">
+                                          <p:stCondLst>
+                                            <p:cond delay="0"/>
+                                          </p:stCondLst>
+                                        </p:cTn>
+                                        <p:tgtEl>
+                                          <p:spTgt spid="5"/>
+                                        </p:tgtEl>
+                                        <p:attrNameLst>
+                                          <p:attrName>style.visibility</p:attrName>
+                                        </p:attrNameLst>
+                                      </p:cBhvr>
+                                      <p:to>
+                                        <p:strVal val="visible"/>
+                                      </p:to>
+                                    </p:set>
+                                    <p:animEffect transition="in" filter="dissolve">
+                                      <p:cBhvr>
+                                        <p:cTn id="25" dur="500"/>
+                                        <p:tgtEl>
+                                          <p:spTgt spid="5"/>
+                                        </p:tgtEl>
+                                      </p:cBhvr>
+                                    </p:animEffect>
+                                  </p:childTnLst>
+                                </p:cTn>
+                              </p:par>
+                            </p:childTnLst>
+                          </p:cTn>
+                        </p:par>
+                      </p:childTnLst>
+                    </p:cTn>
+                  </p:par>
                 </p:childTnLst>
               </p:cTn>
               <p:prevCondLst>
@@ -6562,37 +7501,6 @@
           </a:p>
         </p:txBody>
       </p:sp>
-      <p:pic>
-        <p:nvPicPr>
-          <p:cNvPr id="9" name="Picture 8">
-            <a:extLst>
-              <a:ext uri="{FF2B5EF4-FFF2-40B4-BE49-F238E27FC236}">
-                <a16:creationId xmlns:a16="http://schemas.microsoft.com/office/drawing/2014/main" id="{DB62C492-EEFD-3C42-892F-1C807E1DDF8B}"/>
-              </a:ext>
-            </a:extLst>
-          </p:cNvPr>
-          <p:cNvPicPr>
-            <a:picLocks noChangeAspect="1"/>
-          </p:cNvPicPr>
-          <p:nvPr/>
-        </p:nvPicPr>
-        <p:blipFill>
-          <a:blip r:embed="rId2"/>
-          <a:stretch>
-            <a:fillRect/>
-          </a:stretch>
-        </p:blipFill>
-        <p:spPr>
-          <a:xfrm>
-            <a:off x="2038752" y="2114868"/>
-            <a:ext cx="7087157" cy="5350804"/>
-          </a:xfrm>
-          <a:prstGeom prst="rect">
-            <a:avLst/>
-          </a:prstGeom>
-          <a:noFill/>
-        </p:spPr>
-      </p:pic>
       <p:sp>
         <p:nvSpPr>
           <p:cNvPr id="14" name="Text Placeholder 3">
@@ -6910,7 +7818,12 @@
             <p:ph type="title"/>
           </p:nvPr>
         </p:nvSpPr>
-        <p:spPr/>
+        <p:spPr>
+          <a:xfrm>
+            <a:off x="223643" y="160184"/>
+            <a:ext cx="4908246" cy="783589"/>
+          </a:xfrm>
+        </p:spPr>
         <p:txBody>
           <a:bodyPr/>
           <a:lstStyle/>
@@ -6934,8 +7847,8 @@
         </p:nvSpPr>
         <p:spPr>
           <a:xfrm>
-            <a:off x="828675" y="1935023"/>
-            <a:ext cx="9507311" cy="5350804"/>
+            <a:off x="365483" y="1746286"/>
+            <a:ext cx="3905354" cy="5350804"/>
           </a:xfrm>
         </p:spPr>
         <p:txBody>
@@ -6948,7 +7861,7 @@
                   <a:schemeClr val="tx1"/>
                 </a:solidFill>
               </a:rPr>
-              <a:t>Time series  (COVID by US state):</a:t>
+              <a:t>Time series (COVID by US state):</a:t>
             </a:r>
           </a:p>
           <a:p>
@@ -7074,6 +7987,66 @@
           </a:p>
         </p:txBody>
       </p:sp>
+      <p:pic>
+        <p:nvPicPr>
+          <p:cNvPr id="3" name="Picture 2" descr="Chart, line chart&#10;&#10;Description automatically generated">
+            <a:extLst>
+              <a:ext uri="{FF2B5EF4-FFF2-40B4-BE49-F238E27FC236}">
+                <a16:creationId xmlns:a16="http://schemas.microsoft.com/office/drawing/2014/main" id="{C72ABDFA-3934-0642-948A-B5B1ED9434DE}"/>
+              </a:ext>
+            </a:extLst>
+          </p:cNvPr>
+          <p:cNvPicPr>
+            <a:picLocks noChangeAspect="1"/>
+          </p:cNvPicPr>
+          <p:nvPr/>
+        </p:nvPicPr>
+        <p:blipFill>
+          <a:blip r:embed="rId2"/>
+          <a:stretch>
+            <a:fillRect/>
+          </a:stretch>
+        </p:blipFill>
+        <p:spPr>
+          <a:xfrm>
+            <a:off x="6340210" y="57876"/>
+            <a:ext cx="4574927" cy="3937928"/>
+          </a:xfrm>
+          <a:prstGeom prst="rect">
+            <a:avLst/>
+          </a:prstGeom>
+        </p:spPr>
+      </p:pic>
+      <p:pic>
+        <p:nvPicPr>
+          <p:cNvPr id="5" name="Picture 4" descr="A picture containing diagram&#10;&#10;Description automatically generated">
+            <a:extLst>
+              <a:ext uri="{FF2B5EF4-FFF2-40B4-BE49-F238E27FC236}">
+                <a16:creationId xmlns:a16="http://schemas.microsoft.com/office/drawing/2014/main" id="{A2E51A2E-0F3C-8A4E-B574-09DE45B0E320}"/>
+              </a:ext>
+            </a:extLst>
+          </p:cNvPr>
+          <p:cNvPicPr>
+            <a:picLocks noChangeAspect="1"/>
+          </p:cNvPicPr>
+          <p:nvPr/>
+        </p:nvPicPr>
+        <p:blipFill>
+          <a:blip r:embed="rId3"/>
+          <a:stretch>
+            <a:fillRect/>
+          </a:stretch>
+        </p:blipFill>
+        <p:spPr>
+          <a:xfrm>
+            <a:off x="5106538" y="4572000"/>
+            <a:ext cx="5808599" cy="3284538"/>
+          </a:xfrm>
+          <a:prstGeom prst="rect">
+            <a:avLst/>
+          </a:prstGeom>
+        </p:spPr>
+      </p:pic>
     </p:spTree>
     <p:extLst>
       <p:ext uri="{BB962C8B-B14F-4D97-AF65-F5344CB8AC3E}">
@@ -7117,7 +8090,7 @@
                             </p:stCondLst>
                             <p:childTnLst>
                               <p:par>
-                                <p:cTn id="5" presetID="1" presetClass="entr" presetSubtype="0" fill="hold" nodeType="clickEffect">
+                                <p:cTn id="5" presetID="9" presetClass="entr" presetSubtype="0" fill="hold" nodeType="clickEffect">
                                   <p:stCondLst>
                                     <p:cond delay="0"/>
                                   </p:stCondLst>
@@ -7144,6 +8117,53 @@
                                         <p:strVal val="visible"/>
                                       </p:to>
                                     </p:set>
+                                    <p:animEffect transition="in" filter="dissolve">
+                                      <p:cBhvr>
+                                        <p:cTn id="7" dur="500"/>
+                                        <p:tgtEl>
+                                          <p:spTgt spid="7">
+                                            <p:txEl>
+                                              <p:pRg st="0" end="0"/>
+                                            </p:txEl>
+                                          </p:spTgt>
+                                        </p:tgtEl>
+                                      </p:cBhvr>
+                                    </p:animEffect>
+                                  </p:childTnLst>
+                                </p:cTn>
+                              </p:par>
+                              <p:par>
+                                <p:cTn id="8" presetID="9" presetClass="entr" presetSubtype="0" fill="hold" nodeType="withEffect">
+                                  <p:stCondLst>
+                                    <p:cond delay="0"/>
+                                  </p:stCondLst>
+                                  <p:childTnLst>
+                                    <p:set>
+                                      <p:cBhvr>
+                                        <p:cTn id="9" dur="1" fill="hold">
+                                          <p:stCondLst>
+                                            <p:cond delay="0"/>
+                                          </p:stCondLst>
+                                        </p:cTn>
+                                        <p:tgtEl>
+                                          <p:spTgt spid="3"/>
+                                        </p:tgtEl>
+                                        <p:attrNameLst>
+                                          <p:attrName>style.visibility</p:attrName>
+                                        </p:attrNameLst>
+                                      </p:cBhvr>
+                                      <p:to>
+                                        <p:strVal val="visible"/>
+                                      </p:to>
+                                    </p:set>
+                                    <p:animEffect transition="in" filter="dissolve">
+                                      <p:cBhvr>
+                                        <p:cTn id="10" dur="500"/>
+                                        <p:tgtEl>
+                                          <p:spTgt spid="3"/>
+                                        </p:tgtEl>
+                                      </p:cBhvr>
+                                    </p:animEffect>
                                   </p:childTnLst>
                                 </p:cTn>
                               </p:par>
@@ -7154,26 +8174,26 @@
                     </p:cTn>
                   </p:par>
                   <p:par>
-                    <p:cTn id="7" fill="hold">
+                    <p:cTn id="11" fill="hold">
                       <p:stCondLst>
                         <p:cond delay="indefinite"/>
                       </p:stCondLst>
                       <p:childTnLst>
                         <p:par>
-                          <p:cTn id="8" fill="hold">
+                          <p:cTn id="12" fill="hold">
                             <p:stCondLst>
                               <p:cond delay="0"/>
                             </p:stCondLst>
                             <p:childTnLst>
                               <p:par>
-                                <p:cTn id="9" presetID="1" presetClass="entr" presetSubtype="0" fill="hold" nodeType="clickEffect">
+                                <p:cTn id="13" presetID="9" presetClass="entr" presetSubtype="0" fill="hold" nodeType="clickEffect">
                                   <p:stCondLst>
                                     <p:cond delay="0"/>
                                   </p:stCondLst>
                                   <p:childTnLst>
                                     <p:set>
                                       <p:cBhvr>
-                                        <p:cTn id="10" dur="1" fill="hold">
+                                        <p:cTn id="14" dur="1" fill="hold">
                                           <p:stCondLst>
                                             <p:cond delay="0"/>
                                           </p:stCondLst>
@@ -7193,18 +8213,30 @@
                                         <p:strVal val="visible"/>
                                       </p:to>
                                     </p:set>
+                                    <p:animEffect transition="in" filter="dissolve">
+                                      <p:cBhvr>
+                                        <p:cTn id="15" dur="500"/>
+                                        <p:tgtEl>
+                                          <p:spTgt spid="7">
+                                            <p:txEl>
+                                              <p:pRg st="4" end="4"/>
+                                            </p:txEl>
+                                          </p:spTgt>
+                                        </p:tgtEl>
+                                      </p:cBhvr>
+                                    </p:animEffect>
                                   </p:childTnLst>
                                 </p:cTn>
                               </p:par>
                               <p:par>
-                                <p:cTn id="11" presetID="1" presetClass="entr" presetSubtype="0" fill="hold" nodeType="withEffect">
+                                <p:cTn id="16" presetID="9" presetClass="entr" presetSubtype="0" fill="hold" nodeType="withEffect">
                                   <p:stCondLst>
                                     <p:cond delay="0"/>
                                   </p:stCondLst>
                                   <p:childTnLst>
                                     <p:set>
                                       <p:cBhvr>
-                                        <p:cTn id="12" dur="1" fill="hold">
+                                        <p:cTn id="17" dur="1" fill="hold">
                                           <p:stCondLst>
                                             <p:cond delay="0"/>
                                           </p:stCondLst>
@@ -7224,6 +8256,53 @@
                                         <p:strVal val="visible"/>
                                       </p:to>
                                     </p:set>
+                                    <p:animEffect transition="in" filter="dissolve">
+                                      <p:cBhvr>
+                                        <p:cTn id="18" dur="500"/>
+                                        <p:tgtEl>
+                                          <p:spTgt spid="7">
+                                            <p:txEl>
+                                              <p:pRg st="5" end="5"/>
+                                            </p:txEl>
+                                          </p:spTgt>
+                                        </p:tgtEl>
+                                      </p:cBhvr>
+                                    </p:animEffect>
+                                  </p:childTnLst>
+                                </p:cTn>
+                              </p:par>
+                              <p:par>
+                                <p:cTn id="19" presetID="9" presetClass="entr" presetSubtype="0" fill="hold" nodeType="withEffect">
+                                  <p:stCondLst>
+                                    <p:cond delay="0"/>
+                                  </p:stCondLst>
+                                  <p:childTnLst>
+                                    <p:set>
+                                      <p:cBhvr>
+                                        <p:cTn id="20" dur="1" fill="hold">
+                                          <p:stCondLst>
+                                            <p:cond delay="0"/>
+                                          </p:stCondLst>
+                                        </p:cTn>
+                                        <p:tgtEl>
+                                          <p:spTgt spid="5"/>
+                                        </p:tgtEl>
+                                        <p:attrNameLst>
+                                          <p:attrName>style.visibility</p:attrName>
+                                        </p:attrNameLst>
+                                      </p:cBhvr>
+                                      <p:to>
+                                        <p:strVal val="visible"/>
+                                      </p:to>
+                                    </p:set>
+                                    <p:animEffect transition="in" filter="dissolve">
+                                      <p:cBhvr>
+                                        <p:cTn id="21" dur="500"/>
+                                        <p:tgtEl>
+                                          <p:spTgt spid="5"/>
+                                        </p:tgtEl>
+                                      </p:cBhvr>
+                                    </p:animEffect>
                                   </p:childTnLst>
                                 </p:cTn>
                               </p:par>
@@ -7255,6 +8334,1088 @@
       </p:par>
     </p:tnLst>
   </p:timing>
+</p:sld>
+</file>
+
+<file path=ppt/slides/slide6.xml><?xml version="1.0" encoding="utf-8"?>
+<p:sld xmlns:a="http://schemas.openxmlformats.org/drawingml/2006/main" xmlns:r="http://schemas.openxmlformats.org/officeDocument/2006/relationships" xmlns:p="http://schemas.openxmlformats.org/presentationml/2006/main">
+  <p:cSld>
+    <p:spTree>
+      <p:nvGrpSpPr>
+        <p:cNvPr id="1" name=""/>
+        <p:cNvGrpSpPr/>
+        <p:nvPr/>
+      </p:nvGrpSpPr>
+      <p:grpSpPr>
+        <a:xfrm>
+          <a:off x="0" y="0"/>
+          <a:ext cx="0" cy="0"/>
+          <a:chOff x="0" y="0"/>
+          <a:chExt cx="0" cy="0"/>
+        </a:xfrm>
+      </p:grpSpPr>
+      <p:sp>
+        <p:nvSpPr>
+          <p:cNvPr id="2" name="Title 1">
+            <a:extLst>
+              <a:ext uri="{FF2B5EF4-FFF2-40B4-BE49-F238E27FC236}">
+                <a16:creationId xmlns:a16="http://schemas.microsoft.com/office/drawing/2014/main" id="{F9A16012-F2B8-CF4E-B364-CD51D2C27005}"/>
+              </a:ext>
+            </a:extLst>
+          </p:cNvPr>
+          <p:cNvSpPr>
+            <a:spLocks noGrp="1"/>
+          </p:cNvSpPr>
+          <p:nvPr>
+            <p:ph type="title"/>
+          </p:nvPr>
+        </p:nvSpPr>
+        <p:spPr/>
+        <p:txBody>
+          <a:bodyPr/>
+          <a:lstStyle/>
+          <a:p>
+            <a:r>
+              <a:rPr lang="en-US" dirty="0"/>
+              <a:t>Let’s go through the code</a:t>
+            </a:r>
+          </a:p>
+        </p:txBody>
+      </p:sp>
+      <p:sp>
+        <p:nvSpPr>
+          <p:cNvPr id="3" name="Content Placeholder 2">
+            <a:extLst>
+              <a:ext uri="{FF2B5EF4-FFF2-40B4-BE49-F238E27FC236}">
+                <a16:creationId xmlns:a16="http://schemas.microsoft.com/office/drawing/2014/main" id="{903096AD-C049-2944-B810-B79D69D4EDA3}"/>
+              </a:ext>
+            </a:extLst>
+          </p:cNvPr>
+          <p:cNvSpPr>
+            <a:spLocks noGrp="1"/>
+          </p:cNvSpPr>
+          <p:nvPr>
+            <p:ph sz="half" idx="1"/>
+          </p:nvPr>
+        </p:nvSpPr>
+        <p:spPr>
+          <a:xfrm>
+            <a:off x="828675" y="3219189"/>
+            <a:ext cx="9507311" cy="895612"/>
+          </a:xfrm>
+        </p:spPr>
+        <p:txBody>
+          <a:bodyPr/>
+          <a:lstStyle/>
+          <a:p>
+            <a:r>
+              <a:rPr lang="en-US" dirty="0"/>
+              <a:t>COVID logistic </a:t>
+            </a:r>
+            <a:r>
+              <a:rPr lang="en-US" dirty="0" err="1"/>
+              <a:t>State.Rmd</a:t>
+            </a:r>
+            <a:endParaRPr lang="en-US" dirty="0"/>
+          </a:p>
+        </p:txBody>
+      </p:sp>
+      <p:sp>
+        <p:nvSpPr>
+          <p:cNvPr id="4" name="Text Placeholder 3">
+            <a:extLst>
+              <a:ext uri="{FF2B5EF4-FFF2-40B4-BE49-F238E27FC236}">
+                <a16:creationId xmlns:a16="http://schemas.microsoft.com/office/drawing/2014/main" id="{C283EC5D-C6BB-FD4F-80FE-42442FF9FC3F}"/>
+              </a:ext>
+            </a:extLst>
+          </p:cNvPr>
+          <p:cNvSpPr>
+            <a:spLocks noGrp="1"/>
+          </p:cNvSpPr>
+          <p:nvPr>
+            <p:ph type="body" sz="quarter" idx="11"/>
+          </p:nvPr>
+        </p:nvSpPr>
+        <p:spPr/>
+        <p:txBody>
+          <a:bodyPr/>
+          <a:lstStyle/>
+          <a:p>
+            <a:endParaRPr lang="en-US"/>
+          </a:p>
+        </p:txBody>
+      </p:sp>
+      <p:sp>
+        <p:nvSpPr>
+          <p:cNvPr id="5" name="Text Placeholder 4">
+            <a:extLst>
+              <a:ext uri="{FF2B5EF4-FFF2-40B4-BE49-F238E27FC236}">
+                <a16:creationId xmlns:a16="http://schemas.microsoft.com/office/drawing/2014/main" id="{25AEB3EB-533A-B14B-83B1-314A94B441CE}"/>
+              </a:ext>
+            </a:extLst>
+          </p:cNvPr>
+          <p:cNvSpPr>
+            <a:spLocks noGrp="1"/>
+          </p:cNvSpPr>
+          <p:nvPr>
+            <p:ph type="body" sz="quarter" idx="12"/>
+          </p:nvPr>
+        </p:nvSpPr>
+        <p:spPr/>
+        <p:txBody>
+          <a:bodyPr/>
+          <a:lstStyle/>
+          <a:p>
+            <a:endParaRPr lang="en-US"/>
+          </a:p>
+        </p:txBody>
+      </p:sp>
+      <p:sp>
+        <p:nvSpPr>
+          <p:cNvPr id="6" name="Text Placeholder 5">
+            <a:extLst>
+              <a:ext uri="{FF2B5EF4-FFF2-40B4-BE49-F238E27FC236}">
+                <a16:creationId xmlns:a16="http://schemas.microsoft.com/office/drawing/2014/main" id="{CB26DBFB-0F8F-214D-9E84-EEDF9F7B3AB4}"/>
+              </a:ext>
+            </a:extLst>
+          </p:cNvPr>
+          <p:cNvSpPr>
+            <a:spLocks noGrp="1"/>
+          </p:cNvSpPr>
+          <p:nvPr>
+            <p:ph type="body" sz="quarter" idx="13"/>
+          </p:nvPr>
+        </p:nvSpPr>
+        <p:spPr/>
+        <p:txBody>
+          <a:bodyPr/>
+          <a:lstStyle/>
+          <a:p>
+            <a:endParaRPr lang="en-US"/>
+          </a:p>
+        </p:txBody>
+      </p:sp>
+      <p:sp>
+        <p:nvSpPr>
+          <p:cNvPr id="7" name="Text Placeholder 6">
+            <a:extLst>
+              <a:ext uri="{FF2B5EF4-FFF2-40B4-BE49-F238E27FC236}">
+                <a16:creationId xmlns:a16="http://schemas.microsoft.com/office/drawing/2014/main" id="{C8702B2F-6832-524C-A1B4-F06C9E7EE64F}"/>
+              </a:ext>
+            </a:extLst>
+          </p:cNvPr>
+          <p:cNvSpPr>
+            <a:spLocks noGrp="1"/>
+          </p:cNvSpPr>
+          <p:nvPr>
+            <p:ph type="body" sz="quarter" idx="15"/>
+          </p:nvPr>
+        </p:nvSpPr>
+        <p:spPr/>
+        <p:txBody>
+          <a:bodyPr/>
+          <a:lstStyle/>
+          <a:p>
+            <a:endParaRPr lang="en-US"/>
+          </a:p>
+        </p:txBody>
+      </p:sp>
+      <p:sp>
+        <p:nvSpPr>
+          <p:cNvPr id="8" name="Slide Number Placeholder 7">
+            <a:extLst>
+              <a:ext uri="{FF2B5EF4-FFF2-40B4-BE49-F238E27FC236}">
+                <a16:creationId xmlns:a16="http://schemas.microsoft.com/office/drawing/2014/main" id="{6445ACCA-3806-9346-A615-F94476F02421}"/>
+              </a:ext>
+            </a:extLst>
+          </p:cNvPr>
+          <p:cNvSpPr>
+            <a:spLocks noGrp="1"/>
+          </p:cNvSpPr>
+          <p:nvPr>
+            <p:ph type="sldNum" sz="quarter" idx="16"/>
+          </p:nvPr>
+        </p:nvSpPr>
+        <p:spPr/>
+        <p:txBody>
+          <a:bodyPr/>
+          <a:lstStyle/>
+          <a:p>
+            <a:fld id="{1F4CD52B-44F2-2C4E-883F-5CCB9B09FC15}" type="slidenum">
+              <a:rPr lang="en-US" smtClean="0"/>
+              <a:t>6</a:t>
+            </a:fld>
+            <a:endParaRPr lang="en-US"/>
+          </a:p>
+        </p:txBody>
+      </p:sp>
+      <p:sp>
+        <p:nvSpPr>
+          <p:cNvPr id="9" name="TextBox 8">
+            <a:extLst>
+              <a:ext uri="{FF2B5EF4-FFF2-40B4-BE49-F238E27FC236}">
+                <a16:creationId xmlns:a16="http://schemas.microsoft.com/office/drawing/2014/main" id="{E0DAF037-9C50-E148-96A7-CBFD877AB274}"/>
+              </a:ext>
+            </a:extLst>
+          </p:cNvPr>
+          <p:cNvSpPr txBox="1"/>
+          <p:nvPr/>
+        </p:nvSpPr>
+        <p:spPr>
+          <a:xfrm>
+            <a:off x="3550108" y="4379095"/>
+            <a:ext cx="2261453" cy="535531"/>
+          </a:xfrm>
+          <a:prstGeom prst="rect">
+            <a:avLst/>
+          </a:prstGeom>
+          <a:noFill/>
+        </p:spPr>
+        <p:txBody>
+          <a:bodyPr wrap="none" rtlCol="0">
+            <a:spAutoFit/>
+          </a:bodyPr>
+          <a:lstStyle/>
+          <a:p>
+            <a:r>
+              <a:rPr lang="en-US" dirty="0"/>
+              <a:t>Utah example</a:t>
+            </a:r>
+          </a:p>
+        </p:txBody>
+      </p:sp>
+      <p:sp>
+        <p:nvSpPr>
+          <p:cNvPr id="10" name="TextBox 9">
+            <a:extLst>
+              <a:ext uri="{FF2B5EF4-FFF2-40B4-BE49-F238E27FC236}">
+                <a16:creationId xmlns:a16="http://schemas.microsoft.com/office/drawing/2014/main" id="{E79D2252-33AA-AD41-BEC4-6DB6A820F7D4}"/>
+              </a:ext>
+            </a:extLst>
+          </p:cNvPr>
+          <p:cNvSpPr txBox="1"/>
+          <p:nvPr/>
+        </p:nvSpPr>
+        <p:spPr>
+          <a:xfrm>
+            <a:off x="2053690" y="5577391"/>
+            <a:ext cx="4434291" cy="978729"/>
+          </a:xfrm>
+          <a:prstGeom prst="rect">
+            <a:avLst/>
+          </a:prstGeom>
+          <a:noFill/>
+        </p:spPr>
+        <p:txBody>
+          <a:bodyPr wrap="none" rtlCol="0">
+            <a:spAutoFit/>
+          </a:bodyPr>
+          <a:lstStyle/>
+          <a:p>
+            <a:r>
+              <a:rPr lang="en-US" dirty="0"/>
+              <a:t>Produces: </a:t>
+            </a:r>
+          </a:p>
+          <a:p>
+            <a:pPr marL="457200" indent="-457200">
+              <a:buFont typeface="Arial" panose="020B0604020202020204" pitchFamily="34" charset="0"/>
+              <a:buChar char="•"/>
+            </a:pPr>
+            <a:r>
+              <a:rPr lang="en-US" dirty="0"/>
+              <a:t>COVID-logistic-</a:t>
+            </a:r>
+            <a:r>
+              <a:rPr lang="en-US" dirty="0" err="1"/>
+              <a:t>State.html</a:t>
+            </a:r>
+            <a:endParaRPr lang="en-US" dirty="0"/>
+          </a:p>
+        </p:txBody>
+      </p:sp>
+    </p:spTree>
+    <p:extLst>
+      <p:ext uri="{BB962C8B-B14F-4D97-AF65-F5344CB8AC3E}">
+        <p14:creationId xmlns:p14="http://schemas.microsoft.com/office/powerpoint/2010/main" val="1318009776"/>
+      </p:ext>
+    </p:extLst>
+  </p:cSld>
+  <p:clrMapOvr>
+    <a:masterClrMapping/>
+  </p:clrMapOvr>
+  <mc:AlternateContent xmlns:mc="http://schemas.openxmlformats.org/markup-compatibility/2006" xmlns:p14="http://schemas.microsoft.com/office/powerpoint/2010/main">
+    <mc:Choice Requires="p14">
+      <p:transition spd="med" p14:dur="700">
+        <p:fade/>
+      </p:transition>
+    </mc:Choice>
+    <mc:Fallback xmlns="">
+      <p:transition spd="med">
+        <p:fade/>
+      </p:transition>
+    </mc:Fallback>
+  </mc:AlternateContent>
+</p:sld>
+</file>
+
+<file path=ppt/slides/slide7.xml><?xml version="1.0" encoding="utf-8"?>
+<p:sld xmlns:a="http://schemas.openxmlformats.org/drawingml/2006/main" xmlns:r="http://schemas.openxmlformats.org/officeDocument/2006/relationships" xmlns:p="http://schemas.openxmlformats.org/presentationml/2006/main">
+  <p:cSld>
+    <p:spTree>
+      <p:nvGrpSpPr>
+        <p:cNvPr id="1" name=""/>
+        <p:cNvGrpSpPr/>
+        <p:nvPr/>
+      </p:nvGrpSpPr>
+      <p:grpSpPr>
+        <a:xfrm>
+          <a:off x="0" y="0"/>
+          <a:ext cx="0" cy="0"/>
+          <a:chOff x="0" y="0"/>
+          <a:chExt cx="0" cy="0"/>
+        </a:xfrm>
+      </p:grpSpPr>
+      <p:sp>
+        <p:nvSpPr>
+          <p:cNvPr id="2" name="Title 1">
+            <a:extLst>
+              <a:ext uri="{FF2B5EF4-FFF2-40B4-BE49-F238E27FC236}">
+                <a16:creationId xmlns:a16="http://schemas.microsoft.com/office/drawing/2014/main" id="{5FA19920-7883-8B45-871E-BAAEB0741F7F}"/>
+              </a:ext>
+            </a:extLst>
+          </p:cNvPr>
+          <p:cNvSpPr>
+            <a:spLocks noGrp="1"/>
+          </p:cNvSpPr>
+          <p:nvPr>
+            <p:ph type="title"/>
+          </p:nvPr>
+        </p:nvSpPr>
+        <p:spPr/>
+        <p:txBody>
+          <a:bodyPr/>
+          <a:lstStyle/>
+          <a:p>
+            <a:endParaRPr lang="en-US"/>
+          </a:p>
+        </p:txBody>
+      </p:sp>
+      <p:sp>
+        <p:nvSpPr>
+          <p:cNvPr id="3" name="Content Placeholder 2">
+            <a:extLst>
+              <a:ext uri="{FF2B5EF4-FFF2-40B4-BE49-F238E27FC236}">
+                <a16:creationId xmlns:a16="http://schemas.microsoft.com/office/drawing/2014/main" id="{B13863BB-D429-804E-BA00-532FDC10562D}"/>
+              </a:ext>
+            </a:extLst>
+          </p:cNvPr>
+          <p:cNvSpPr>
+            <a:spLocks noGrp="1"/>
+          </p:cNvSpPr>
+          <p:nvPr>
+            <p:ph sz="half" idx="1"/>
+          </p:nvPr>
+        </p:nvSpPr>
+        <p:spPr>
+          <a:xfrm>
+            <a:off x="828675" y="3093929"/>
+            <a:ext cx="9507311" cy="1020872"/>
+          </a:xfrm>
+        </p:spPr>
+        <p:txBody>
+          <a:bodyPr/>
+          <a:lstStyle/>
+          <a:p>
+            <a:r>
+              <a:rPr lang="en-US" dirty="0" err="1"/>
+              <a:t>Sankey_Example.Rmd</a:t>
+            </a:r>
+            <a:endParaRPr lang="en-US" dirty="0"/>
+          </a:p>
+        </p:txBody>
+      </p:sp>
+      <p:sp>
+        <p:nvSpPr>
+          <p:cNvPr id="4" name="Text Placeholder 3">
+            <a:extLst>
+              <a:ext uri="{FF2B5EF4-FFF2-40B4-BE49-F238E27FC236}">
+                <a16:creationId xmlns:a16="http://schemas.microsoft.com/office/drawing/2014/main" id="{92A453A2-A751-7449-8D40-52E9A2C47A61}"/>
+              </a:ext>
+            </a:extLst>
+          </p:cNvPr>
+          <p:cNvSpPr>
+            <a:spLocks noGrp="1"/>
+          </p:cNvSpPr>
+          <p:nvPr>
+            <p:ph type="body" sz="quarter" idx="11"/>
+          </p:nvPr>
+        </p:nvSpPr>
+        <p:spPr/>
+        <p:txBody>
+          <a:bodyPr/>
+          <a:lstStyle/>
+          <a:p>
+            <a:endParaRPr lang="en-US"/>
+          </a:p>
+        </p:txBody>
+      </p:sp>
+      <p:sp>
+        <p:nvSpPr>
+          <p:cNvPr id="5" name="Text Placeholder 4">
+            <a:extLst>
+              <a:ext uri="{FF2B5EF4-FFF2-40B4-BE49-F238E27FC236}">
+                <a16:creationId xmlns:a16="http://schemas.microsoft.com/office/drawing/2014/main" id="{35D2D39D-D553-B547-BF3D-9DADAB8AC971}"/>
+              </a:ext>
+            </a:extLst>
+          </p:cNvPr>
+          <p:cNvSpPr>
+            <a:spLocks noGrp="1"/>
+          </p:cNvSpPr>
+          <p:nvPr>
+            <p:ph type="body" sz="quarter" idx="12"/>
+          </p:nvPr>
+        </p:nvSpPr>
+        <p:spPr/>
+        <p:txBody>
+          <a:bodyPr/>
+          <a:lstStyle/>
+          <a:p>
+            <a:endParaRPr lang="en-US"/>
+          </a:p>
+        </p:txBody>
+      </p:sp>
+      <p:sp>
+        <p:nvSpPr>
+          <p:cNvPr id="6" name="Text Placeholder 5">
+            <a:extLst>
+              <a:ext uri="{FF2B5EF4-FFF2-40B4-BE49-F238E27FC236}">
+                <a16:creationId xmlns:a16="http://schemas.microsoft.com/office/drawing/2014/main" id="{C23FB75D-FA9F-0A49-858E-BE8F28E589BA}"/>
+              </a:ext>
+            </a:extLst>
+          </p:cNvPr>
+          <p:cNvSpPr>
+            <a:spLocks noGrp="1"/>
+          </p:cNvSpPr>
+          <p:nvPr>
+            <p:ph type="body" sz="quarter" idx="13"/>
+          </p:nvPr>
+        </p:nvSpPr>
+        <p:spPr/>
+        <p:txBody>
+          <a:bodyPr/>
+          <a:lstStyle/>
+          <a:p>
+            <a:endParaRPr lang="en-US"/>
+          </a:p>
+        </p:txBody>
+      </p:sp>
+      <p:sp>
+        <p:nvSpPr>
+          <p:cNvPr id="7" name="Text Placeholder 6">
+            <a:extLst>
+              <a:ext uri="{FF2B5EF4-FFF2-40B4-BE49-F238E27FC236}">
+                <a16:creationId xmlns:a16="http://schemas.microsoft.com/office/drawing/2014/main" id="{D2BDCC72-8F72-C840-8457-9B9F2B773A1A}"/>
+              </a:ext>
+            </a:extLst>
+          </p:cNvPr>
+          <p:cNvSpPr>
+            <a:spLocks noGrp="1"/>
+          </p:cNvSpPr>
+          <p:nvPr>
+            <p:ph type="body" sz="quarter" idx="15"/>
+          </p:nvPr>
+        </p:nvSpPr>
+        <p:spPr/>
+        <p:txBody>
+          <a:bodyPr/>
+          <a:lstStyle/>
+          <a:p>
+            <a:endParaRPr lang="en-US"/>
+          </a:p>
+        </p:txBody>
+      </p:sp>
+      <p:sp>
+        <p:nvSpPr>
+          <p:cNvPr id="8" name="Slide Number Placeholder 7">
+            <a:extLst>
+              <a:ext uri="{FF2B5EF4-FFF2-40B4-BE49-F238E27FC236}">
+                <a16:creationId xmlns:a16="http://schemas.microsoft.com/office/drawing/2014/main" id="{5F2A84C0-1297-C04B-98AA-A5513562E5FB}"/>
+              </a:ext>
+            </a:extLst>
+          </p:cNvPr>
+          <p:cNvSpPr>
+            <a:spLocks noGrp="1"/>
+          </p:cNvSpPr>
+          <p:nvPr>
+            <p:ph type="sldNum" sz="quarter" idx="16"/>
+          </p:nvPr>
+        </p:nvSpPr>
+        <p:spPr/>
+        <p:txBody>
+          <a:bodyPr/>
+          <a:lstStyle/>
+          <a:p>
+            <a:fld id="{1F4CD52B-44F2-2C4E-883F-5CCB9B09FC15}" type="slidenum">
+              <a:rPr lang="en-US" smtClean="0"/>
+              <a:t>7</a:t>
+            </a:fld>
+            <a:endParaRPr lang="en-US"/>
+          </a:p>
+        </p:txBody>
+      </p:sp>
+      <p:sp>
+        <p:nvSpPr>
+          <p:cNvPr id="9" name="TextBox 8">
+            <a:extLst>
+              <a:ext uri="{FF2B5EF4-FFF2-40B4-BE49-F238E27FC236}">
+                <a16:creationId xmlns:a16="http://schemas.microsoft.com/office/drawing/2014/main" id="{936BB5B0-E7FF-264C-A45C-47645383695B}"/>
+              </a:ext>
+            </a:extLst>
+          </p:cNvPr>
+          <p:cNvSpPr txBox="1"/>
+          <p:nvPr/>
+        </p:nvSpPr>
+        <p:spPr>
+          <a:xfrm>
+            <a:off x="3107704" y="4725775"/>
+            <a:ext cx="4250523" cy="1421928"/>
+          </a:xfrm>
+          <a:prstGeom prst="rect">
+            <a:avLst/>
+          </a:prstGeom>
+          <a:noFill/>
+        </p:spPr>
+        <p:txBody>
+          <a:bodyPr wrap="none" rtlCol="0">
+            <a:spAutoFit/>
+          </a:bodyPr>
+          <a:lstStyle/>
+          <a:p>
+            <a:r>
+              <a:rPr lang="en-US" dirty="0"/>
+              <a:t>Produces: </a:t>
+            </a:r>
+          </a:p>
+          <a:p>
+            <a:pPr marL="457200" indent="-457200">
+              <a:buFont typeface="Arial" panose="020B0604020202020204" pitchFamily="34" charset="0"/>
+              <a:buChar char="•"/>
+            </a:pPr>
+            <a:r>
+              <a:rPr lang="en-US" dirty="0" err="1"/>
+              <a:t>Sankey_Example.html</a:t>
+            </a:r>
+            <a:endParaRPr lang="en-US" dirty="0"/>
+          </a:p>
+          <a:p>
+            <a:pPr marL="457200" indent="-457200">
+              <a:buFont typeface="Arial" panose="020B0604020202020204" pitchFamily="34" charset="0"/>
+              <a:buChar char="•"/>
+            </a:pPr>
+            <a:r>
+              <a:rPr lang="en-US" dirty="0" err="1"/>
+              <a:t>Sankey_interactive.html</a:t>
+            </a:r>
+            <a:endParaRPr lang="en-US" dirty="0"/>
+          </a:p>
+        </p:txBody>
+      </p:sp>
+    </p:spTree>
+    <p:extLst>
+      <p:ext uri="{BB962C8B-B14F-4D97-AF65-F5344CB8AC3E}">
+        <p14:creationId xmlns:p14="http://schemas.microsoft.com/office/powerpoint/2010/main" val="4009086616"/>
+      </p:ext>
+    </p:extLst>
+  </p:cSld>
+  <p:clrMapOvr>
+    <a:masterClrMapping/>
+  </p:clrMapOvr>
+  <mc:AlternateContent xmlns:mc="http://schemas.openxmlformats.org/markup-compatibility/2006" xmlns:p14="http://schemas.microsoft.com/office/powerpoint/2010/main">
+    <mc:Choice Requires="p14">
+      <p:transition spd="med" p14:dur="700">
+        <p:fade/>
+      </p:transition>
+    </mc:Choice>
+    <mc:Fallback xmlns="">
+      <p:transition spd="med">
+        <p:fade/>
+      </p:transition>
+    </mc:Fallback>
+  </mc:AlternateContent>
+</p:sld>
+</file>
+
+<file path=ppt/slides/slide8.xml><?xml version="1.0" encoding="utf-8"?>
+<p:sld xmlns:a="http://schemas.openxmlformats.org/drawingml/2006/main" xmlns:r="http://schemas.openxmlformats.org/officeDocument/2006/relationships" xmlns:p="http://schemas.openxmlformats.org/presentationml/2006/main">
+  <p:cSld>
+    <p:spTree>
+      <p:nvGrpSpPr>
+        <p:cNvPr id="1" name=""/>
+        <p:cNvGrpSpPr/>
+        <p:nvPr/>
+      </p:nvGrpSpPr>
+      <p:grpSpPr>
+        <a:xfrm>
+          <a:off x="0" y="0"/>
+          <a:ext cx="0" cy="0"/>
+          <a:chOff x="0" y="0"/>
+          <a:chExt cx="0" cy="0"/>
+        </a:xfrm>
+      </p:grpSpPr>
+      <p:sp>
+        <p:nvSpPr>
+          <p:cNvPr id="2" name="Title 1">
+            <a:extLst>
+              <a:ext uri="{FF2B5EF4-FFF2-40B4-BE49-F238E27FC236}">
+                <a16:creationId xmlns:a16="http://schemas.microsoft.com/office/drawing/2014/main" id="{74DBDD8E-6B0E-8044-92C1-DC18CA77A3F6}"/>
+              </a:ext>
+            </a:extLst>
+          </p:cNvPr>
+          <p:cNvSpPr>
+            <a:spLocks noGrp="1"/>
+          </p:cNvSpPr>
+          <p:nvPr>
+            <p:ph type="title"/>
+          </p:nvPr>
+        </p:nvSpPr>
+        <p:spPr/>
+        <p:txBody>
+          <a:bodyPr/>
+          <a:lstStyle/>
+          <a:p>
+            <a:r>
+              <a:rPr lang="en-US" dirty="0"/>
+              <a:t>Working backward re: packages</a:t>
+            </a:r>
+          </a:p>
+        </p:txBody>
+      </p:sp>
+      <p:sp>
+        <p:nvSpPr>
+          <p:cNvPr id="3" name="Content Placeholder 2">
+            <a:extLst>
+              <a:ext uri="{FF2B5EF4-FFF2-40B4-BE49-F238E27FC236}">
+                <a16:creationId xmlns:a16="http://schemas.microsoft.com/office/drawing/2014/main" id="{C25503E0-ACAA-6742-B7EC-B60721656CD5}"/>
+              </a:ext>
+            </a:extLst>
+          </p:cNvPr>
+          <p:cNvSpPr>
+            <a:spLocks noGrp="1"/>
+          </p:cNvSpPr>
+          <p:nvPr>
+            <p:ph sz="half" idx="1"/>
+          </p:nvPr>
+        </p:nvSpPr>
+        <p:spPr>
+          <a:xfrm>
+            <a:off x="828675" y="2114868"/>
+            <a:ext cx="9507311" cy="753592"/>
+          </a:xfrm>
+        </p:spPr>
+        <p:txBody>
+          <a:bodyPr/>
+          <a:lstStyle/>
+          <a:p>
+            <a:r>
+              <a:rPr lang="en-US" dirty="0" err="1"/>
+              <a:t>chorddiag_Example.R</a:t>
+            </a:r>
+            <a:endParaRPr lang="en-US" dirty="0"/>
+          </a:p>
+        </p:txBody>
+      </p:sp>
+      <p:sp>
+        <p:nvSpPr>
+          <p:cNvPr id="4" name="Text Placeholder 3">
+            <a:extLst>
+              <a:ext uri="{FF2B5EF4-FFF2-40B4-BE49-F238E27FC236}">
+                <a16:creationId xmlns:a16="http://schemas.microsoft.com/office/drawing/2014/main" id="{3313C8FC-5312-D04C-942D-8E5D8CE550C1}"/>
+              </a:ext>
+            </a:extLst>
+          </p:cNvPr>
+          <p:cNvSpPr>
+            <a:spLocks noGrp="1"/>
+          </p:cNvSpPr>
+          <p:nvPr>
+            <p:ph type="body" sz="quarter" idx="11"/>
+          </p:nvPr>
+        </p:nvSpPr>
+        <p:spPr/>
+        <p:txBody>
+          <a:bodyPr/>
+          <a:lstStyle/>
+          <a:p>
+            <a:endParaRPr lang="en-US"/>
+          </a:p>
+        </p:txBody>
+      </p:sp>
+      <p:sp>
+        <p:nvSpPr>
+          <p:cNvPr id="5" name="Text Placeholder 4">
+            <a:extLst>
+              <a:ext uri="{FF2B5EF4-FFF2-40B4-BE49-F238E27FC236}">
+                <a16:creationId xmlns:a16="http://schemas.microsoft.com/office/drawing/2014/main" id="{99DE274A-BBB8-D042-85F9-8163171836CE}"/>
+              </a:ext>
+            </a:extLst>
+          </p:cNvPr>
+          <p:cNvSpPr>
+            <a:spLocks noGrp="1"/>
+          </p:cNvSpPr>
+          <p:nvPr>
+            <p:ph type="body" sz="quarter" idx="12"/>
+          </p:nvPr>
+        </p:nvSpPr>
+        <p:spPr/>
+        <p:txBody>
+          <a:bodyPr/>
+          <a:lstStyle/>
+          <a:p>
+            <a:endParaRPr lang="en-US"/>
+          </a:p>
+        </p:txBody>
+      </p:sp>
+      <p:sp>
+        <p:nvSpPr>
+          <p:cNvPr id="6" name="Text Placeholder 5">
+            <a:extLst>
+              <a:ext uri="{FF2B5EF4-FFF2-40B4-BE49-F238E27FC236}">
+                <a16:creationId xmlns:a16="http://schemas.microsoft.com/office/drawing/2014/main" id="{759DF5B0-B4C6-A040-8E7D-0C386357B738}"/>
+              </a:ext>
+            </a:extLst>
+          </p:cNvPr>
+          <p:cNvSpPr>
+            <a:spLocks noGrp="1"/>
+          </p:cNvSpPr>
+          <p:nvPr>
+            <p:ph type="body" sz="quarter" idx="13"/>
+          </p:nvPr>
+        </p:nvSpPr>
+        <p:spPr/>
+        <p:txBody>
+          <a:bodyPr/>
+          <a:lstStyle/>
+          <a:p>
+            <a:endParaRPr lang="en-US"/>
+          </a:p>
+        </p:txBody>
+      </p:sp>
+      <p:sp>
+        <p:nvSpPr>
+          <p:cNvPr id="7" name="Text Placeholder 6">
+            <a:extLst>
+              <a:ext uri="{FF2B5EF4-FFF2-40B4-BE49-F238E27FC236}">
+                <a16:creationId xmlns:a16="http://schemas.microsoft.com/office/drawing/2014/main" id="{2403C1CE-329D-3F4D-AC6F-F7ABE1229920}"/>
+              </a:ext>
+            </a:extLst>
+          </p:cNvPr>
+          <p:cNvSpPr>
+            <a:spLocks noGrp="1"/>
+          </p:cNvSpPr>
+          <p:nvPr>
+            <p:ph type="body" sz="quarter" idx="15"/>
+          </p:nvPr>
+        </p:nvSpPr>
+        <p:spPr/>
+        <p:txBody>
+          <a:bodyPr/>
+          <a:lstStyle/>
+          <a:p>
+            <a:endParaRPr lang="en-US"/>
+          </a:p>
+        </p:txBody>
+      </p:sp>
+      <p:sp>
+        <p:nvSpPr>
+          <p:cNvPr id="8" name="Slide Number Placeholder 7">
+            <a:extLst>
+              <a:ext uri="{FF2B5EF4-FFF2-40B4-BE49-F238E27FC236}">
+                <a16:creationId xmlns:a16="http://schemas.microsoft.com/office/drawing/2014/main" id="{DB5C8CB0-7BB2-5940-B708-146EB31F75FA}"/>
+              </a:ext>
+            </a:extLst>
+          </p:cNvPr>
+          <p:cNvSpPr>
+            <a:spLocks noGrp="1"/>
+          </p:cNvSpPr>
+          <p:nvPr>
+            <p:ph type="sldNum" sz="quarter" idx="16"/>
+          </p:nvPr>
+        </p:nvSpPr>
+        <p:spPr/>
+        <p:txBody>
+          <a:bodyPr/>
+          <a:lstStyle/>
+          <a:p>
+            <a:fld id="{1F4CD52B-44F2-2C4E-883F-5CCB9B09FC15}" type="slidenum">
+              <a:rPr lang="en-US" smtClean="0"/>
+              <a:t>8</a:t>
+            </a:fld>
+            <a:endParaRPr lang="en-US"/>
+          </a:p>
+        </p:txBody>
+      </p:sp>
+      <p:pic>
+        <p:nvPicPr>
+          <p:cNvPr id="10" name="Picture 9" descr="Diagram&#10;&#10;Description automatically generated">
+            <a:extLst>
+              <a:ext uri="{FF2B5EF4-FFF2-40B4-BE49-F238E27FC236}">
+                <a16:creationId xmlns:a16="http://schemas.microsoft.com/office/drawing/2014/main" id="{F659D744-E069-E44A-96EC-731152F33D0A}"/>
+              </a:ext>
+            </a:extLst>
+          </p:cNvPr>
+          <p:cNvPicPr>
+            <a:picLocks noChangeAspect="1"/>
+          </p:cNvPicPr>
+          <p:nvPr/>
+        </p:nvPicPr>
+        <p:blipFill>
+          <a:blip r:embed="rId2"/>
+          <a:stretch>
+            <a:fillRect/>
+          </a:stretch>
+        </p:blipFill>
+        <p:spPr>
+          <a:xfrm>
+            <a:off x="2609850" y="2913610"/>
+            <a:ext cx="5753100" cy="1422400"/>
+          </a:xfrm>
+          <a:prstGeom prst="rect">
+            <a:avLst/>
+          </a:prstGeom>
+        </p:spPr>
+      </p:pic>
+      <p:sp>
+        <p:nvSpPr>
+          <p:cNvPr id="11" name="TextBox 10">
+            <a:extLst>
+              <a:ext uri="{FF2B5EF4-FFF2-40B4-BE49-F238E27FC236}">
+                <a16:creationId xmlns:a16="http://schemas.microsoft.com/office/drawing/2014/main" id="{91C2D417-5EF8-7049-A96C-7A3E5A0B6220}"/>
+              </a:ext>
+            </a:extLst>
+          </p:cNvPr>
+          <p:cNvSpPr txBox="1"/>
+          <p:nvPr/>
+        </p:nvSpPr>
+        <p:spPr>
+          <a:xfrm>
+            <a:off x="2717569" y="5040371"/>
+            <a:ext cx="4434291" cy="978729"/>
+          </a:xfrm>
+          <a:prstGeom prst="rect">
+            <a:avLst/>
+          </a:prstGeom>
+          <a:noFill/>
+        </p:spPr>
+        <p:txBody>
+          <a:bodyPr wrap="none" rtlCol="0">
+            <a:spAutoFit/>
+          </a:bodyPr>
+          <a:lstStyle/>
+          <a:p>
+            <a:r>
+              <a:rPr lang="en-US" dirty="0"/>
+              <a:t>Produces: </a:t>
+            </a:r>
+          </a:p>
+          <a:p>
+            <a:pPr marL="457200" indent="-457200">
+              <a:buFont typeface="Arial" panose="020B0604020202020204" pitchFamily="34" charset="0"/>
+              <a:buChar char="•"/>
+            </a:pPr>
+            <a:r>
+              <a:rPr lang="en-US" dirty="0"/>
+              <a:t>COVID-logistic-</a:t>
+            </a:r>
+            <a:r>
+              <a:rPr lang="en-US" dirty="0" err="1"/>
+              <a:t>State.html</a:t>
+            </a:r>
+            <a:endParaRPr lang="en-US" dirty="0"/>
+          </a:p>
+        </p:txBody>
+      </p:sp>
+      <p:pic>
+        <p:nvPicPr>
+          <p:cNvPr id="13" name="Picture 12" descr="Chart, diagram&#10;&#10;Description automatically generated">
+            <a:extLst>
+              <a:ext uri="{FF2B5EF4-FFF2-40B4-BE49-F238E27FC236}">
+                <a16:creationId xmlns:a16="http://schemas.microsoft.com/office/drawing/2014/main" id="{A69E5AC1-4ABF-5548-BE75-D0936EE08E16}"/>
+              </a:ext>
+            </a:extLst>
+          </p:cNvPr>
+          <p:cNvPicPr>
+            <a:picLocks noChangeAspect="1"/>
+          </p:cNvPicPr>
+          <p:nvPr/>
+        </p:nvPicPr>
+        <p:blipFill>
+          <a:blip r:embed="rId3"/>
+          <a:stretch>
+            <a:fillRect/>
+          </a:stretch>
+        </p:blipFill>
+        <p:spPr>
+          <a:xfrm>
+            <a:off x="8101643" y="4794427"/>
+            <a:ext cx="2611005" cy="2605414"/>
+          </a:xfrm>
+          <a:prstGeom prst="rect">
+            <a:avLst/>
+          </a:prstGeom>
+        </p:spPr>
+      </p:pic>
+    </p:spTree>
+    <p:extLst>
+      <p:ext uri="{BB962C8B-B14F-4D97-AF65-F5344CB8AC3E}">
+        <p14:creationId xmlns:p14="http://schemas.microsoft.com/office/powerpoint/2010/main" val="2161010511"/>
+      </p:ext>
+    </p:extLst>
+  </p:cSld>
+  <p:clrMapOvr>
+    <a:masterClrMapping/>
+  </p:clrMapOvr>
+  <mc:AlternateContent xmlns:mc="http://schemas.openxmlformats.org/markup-compatibility/2006" xmlns:p14="http://schemas.microsoft.com/office/powerpoint/2010/main">
+    <mc:Choice Requires="p14">
+      <p:transition spd="med" p14:dur="700">
+        <p:fade/>
+      </p:transition>
+    </mc:Choice>
+    <mc:Fallback xmlns="">
+      <p:transition spd="med">
+        <p:fade/>
+      </p:transition>
+    </mc:Fallback>
+  </mc:AlternateContent>
+</p:sld>
+</file>
+
+<file path=ppt/slides/slide9.xml><?xml version="1.0" encoding="utf-8"?>
+<p:sld xmlns:a="http://schemas.openxmlformats.org/drawingml/2006/main" xmlns:r="http://schemas.openxmlformats.org/officeDocument/2006/relationships" xmlns:p="http://schemas.openxmlformats.org/presentationml/2006/main">
+  <p:cSld>
+    <p:spTree>
+      <p:nvGrpSpPr>
+        <p:cNvPr id="1" name=""/>
+        <p:cNvGrpSpPr/>
+        <p:nvPr/>
+      </p:nvGrpSpPr>
+      <p:grpSpPr>
+        <a:xfrm>
+          <a:off x="0" y="0"/>
+          <a:ext cx="0" cy="0"/>
+          <a:chOff x="0" y="0"/>
+          <a:chExt cx="0" cy="0"/>
+        </a:xfrm>
+      </p:grpSpPr>
+      <p:sp>
+        <p:nvSpPr>
+          <p:cNvPr id="2" name="Text Placeholder 1"/>
+          <p:cNvSpPr>
+            <a:spLocks noGrp="1"/>
+          </p:cNvSpPr>
+          <p:nvPr>
+            <p:ph type="body" sz="quarter" idx="10"/>
+          </p:nvPr>
+        </p:nvSpPr>
+        <p:spPr>
+          <a:xfrm>
+            <a:off x="1005840" y="2275840"/>
+            <a:ext cx="9296400" cy="2300063"/>
+          </a:xfrm>
+        </p:spPr>
+        <p:txBody>
+          <a:bodyPr/>
+          <a:lstStyle/>
+          <a:p>
+            <a:r>
+              <a:rPr lang="en-US" dirty="0" err="1"/>
+              <a:t>Github</a:t>
+            </a:r>
+            <a:r>
+              <a:rPr lang="en-US" dirty="0"/>
+              <a:t> for JAMA paper</a:t>
+            </a:r>
+          </a:p>
+        </p:txBody>
+      </p:sp>
+      <p:sp>
+        <p:nvSpPr>
+          <p:cNvPr id="3" name="Text Placeholder 2"/>
+          <p:cNvSpPr>
+            <a:spLocks noGrp="1"/>
+          </p:cNvSpPr>
+          <p:nvPr>
+            <p:ph type="body" sz="quarter" idx="11"/>
+          </p:nvPr>
+        </p:nvSpPr>
+        <p:spPr/>
+        <p:txBody>
+          <a:bodyPr/>
+          <a:lstStyle/>
+          <a:p>
+            <a:endParaRPr lang="en-US"/>
+          </a:p>
+        </p:txBody>
+      </p:sp>
+      <p:sp>
+        <p:nvSpPr>
+          <p:cNvPr id="4" name="Text Placeholder 3"/>
+          <p:cNvSpPr>
+            <a:spLocks noGrp="1"/>
+          </p:cNvSpPr>
+          <p:nvPr>
+            <p:ph type="body" sz="quarter" idx="12"/>
+          </p:nvPr>
+        </p:nvSpPr>
+        <p:spPr/>
+        <p:txBody>
+          <a:bodyPr/>
+          <a:lstStyle/>
+          <a:p>
+            <a:endParaRPr lang="en-US"/>
+          </a:p>
+        </p:txBody>
+      </p:sp>
+      <p:sp>
+        <p:nvSpPr>
+          <p:cNvPr id="5" name="Text Placeholder 4"/>
+          <p:cNvSpPr>
+            <a:spLocks noGrp="1"/>
+          </p:cNvSpPr>
+          <p:nvPr>
+            <p:ph type="body" sz="quarter" idx="13"/>
+          </p:nvPr>
+        </p:nvSpPr>
+        <p:spPr/>
+        <p:txBody>
+          <a:bodyPr/>
+          <a:lstStyle/>
+          <a:p>
+            <a:endParaRPr lang="en-US"/>
+          </a:p>
+        </p:txBody>
+      </p:sp>
+    </p:spTree>
+    <p:extLst>
+      <p:ext uri="{BB962C8B-B14F-4D97-AF65-F5344CB8AC3E}">
+        <p14:creationId xmlns:p14="http://schemas.microsoft.com/office/powerpoint/2010/main" val="3405614334"/>
+      </p:ext>
+    </p:extLst>
+  </p:cSld>
+  <p:clrMapOvr>
+    <a:masterClrMapping/>
+  </p:clrMapOvr>
+  <mc:AlternateContent xmlns:mc="http://schemas.openxmlformats.org/markup-compatibility/2006" xmlns:p14="http://schemas.microsoft.com/office/powerpoint/2010/main">
+    <mc:Choice Requires="p14">
+      <p:transition spd="med" p14:dur="700">
+        <p:fade/>
+      </p:transition>
+    </mc:Choice>
+    <mc:Fallback xmlns="">
+      <p:transition spd="med">
+        <p:fade/>
+      </p:transition>
+    </mc:Fallback>
+  </mc:AlternateContent>
 </p:sld>
 </file>
 
@@ -8219,6 +10380,27 @@
 </file>
 
 <file path=customXml/item1.xml><?xml version="1.0" encoding="utf-8"?>
+<p:properties xmlns:p="http://schemas.microsoft.com/office/2006/metadata/properties" xmlns:xsi="http://www.w3.org/2001/XMLSchema-instance" xmlns:pc="http://schemas.microsoft.com/office/infopath/2007/PartnerControls">
+  <documentManagement>
+    <_dlc_DocId xmlns="402b49ca-617a-4412-a136-22a821ef8eb4">PULSEDOC-1743074161-10</_dlc_DocId>
+    <_dlc_DocIdUrl xmlns="402b49ca-617a-4412-a136-22a821ef8eb4">
+      <Url>https://pulse.utah.edu/site/marcomm/_layouts/15/DocIdRedir.aspx?ID=PULSEDOC-1743074161-10</Url>
+      <Description>PULSEDOC-1743074161-10</Description>
+    </_dlc_DocIdUrl>
+  </documentManagement>
+</p:properties>
+</file>
+
+<file path=customXml/item2.xml><?xml version="1.0" encoding="utf-8"?>
+<?mso-contentType ?>
+<FormTemplates xmlns="http://schemas.microsoft.com/sharepoint/v3/contenttype/forms">
+  <Display>DocumentLibraryForm</Display>
+  <Edit>DocumentLibraryForm</Edit>
+  <New>DocumentLibraryForm</New>
+</FormTemplates>
+</file>
+
+<file path=customXml/item3.xml><?xml version="1.0" encoding="utf-8"?>
 <?mso-contentType ?>
 <spe:Receivers xmlns:spe="http://schemas.microsoft.com/sharepoint/events">
   <Receiver>
@@ -8266,27 +10448,6 @@
     <Filter/>
   </Receiver>
 </spe:Receivers>
-</file>
-
-<file path=customXml/item2.xml><?xml version="1.0" encoding="utf-8"?>
-<?mso-contentType ?>
-<FormTemplates xmlns="http://schemas.microsoft.com/sharepoint/v3/contenttype/forms">
-  <Display>DocumentLibraryForm</Display>
-  <Edit>DocumentLibraryForm</Edit>
-  <New>DocumentLibraryForm</New>
-</FormTemplates>
-</file>
-
-<file path=customXml/item3.xml><?xml version="1.0" encoding="utf-8"?>
-<p:properties xmlns:p="http://schemas.microsoft.com/office/2006/metadata/properties" xmlns:xsi="http://www.w3.org/2001/XMLSchema-instance" xmlns:pc="http://schemas.microsoft.com/office/infopath/2007/PartnerControls">
-  <documentManagement>
-    <_dlc_DocId xmlns="402b49ca-617a-4412-a136-22a821ef8eb4">PULSEDOC-1743074161-10</_dlc_DocId>
-    <_dlc_DocIdUrl xmlns="402b49ca-617a-4412-a136-22a821ef8eb4">
-      <Url>https://pulse.utah.edu/site/marcomm/_layouts/15/DocIdRedir.aspx?ID=PULSEDOC-1743074161-10</Url>
-      <Description>PULSEDOC-1743074161-10</Description>
-    </_dlc_DocIdUrl>
-  </documentManagement>
-</p:properties>
 </file>
 
 <file path=customXml/item4.xml><?xml version="1.0" encoding="utf-8"?>
@@ -8435,9 +10596,17 @@
 </file>
 
 <file path=customXml/itemProps1.xml><?xml version="1.0" encoding="utf-8"?>
-<ds:datastoreItem xmlns:ds="http://schemas.openxmlformats.org/officeDocument/2006/customXml" ds:itemID="{496F08B7-1F71-4F99-B35D-690FBC859C9A}">
+<ds:datastoreItem xmlns:ds="http://schemas.openxmlformats.org/officeDocument/2006/customXml" ds:itemID="{405D53D2-4C8C-4500-874F-8AD70E4DEB2D}">
   <ds:schemaRefs>
-    <ds:schemaRef ds:uri="http://schemas.microsoft.com/sharepoint/events"/>
+    <ds:schemaRef ds:uri="http://schemas.microsoft.com/office/2006/documentManagement/types"/>
+    <ds:schemaRef ds:uri="http://purl.org/dc/terms/"/>
+    <ds:schemaRef ds:uri="http://schemas.microsoft.com/office/2006/metadata/properties"/>
+    <ds:schemaRef ds:uri="402b49ca-617a-4412-a136-22a821ef8eb4"/>
+    <ds:schemaRef ds:uri="http://purl.org/dc/elements/1.1/"/>
+    <ds:schemaRef ds:uri="http://purl.org/dc/dcmitype/"/>
+    <ds:schemaRef ds:uri="http://schemas.microsoft.com/office/infopath/2007/PartnerControls"/>
+    <ds:schemaRef ds:uri="http://schemas.openxmlformats.org/package/2006/metadata/core-properties"/>
+    <ds:schemaRef ds:uri="http://www.w3.org/XML/1998/namespace"/>
   </ds:schemaRefs>
 </ds:datastoreItem>
 </file>
@@ -8451,17 +10620,9 @@
 </file>
 
 <file path=customXml/itemProps3.xml><?xml version="1.0" encoding="utf-8"?>
-<ds:datastoreItem xmlns:ds="http://schemas.openxmlformats.org/officeDocument/2006/customXml" ds:itemID="{405D53D2-4C8C-4500-874F-8AD70E4DEB2D}">
+<ds:datastoreItem xmlns:ds="http://schemas.openxmlformats.org/officeDocument/2006/customXml" ds:itemID="{496F08B7-1F71-4F99-B35D-690FBC859C9A}">
   <ds:schemaRefs>
-    <ds:schemaRef ds:uri="http://schemas.microsoft.com/office/2006/documentManagement/types"/>
-    <ds:schemaRef ds:uri="http://purl.org/dc/terms/"/>
-    <ds:schemaRef ds:uri="http://schemas.microsoft.com/office/2006/metadata/properties"/>
-    <ds:schemaRef ds:uri="402b49ca-617a-4412-a136-22a821ef8eb4"/>
-    <ds:schemaRef ds:uri="http://purl.org/dc/elements/1.1/"/>
-    <ds:schemaRef ds:uri="http://purl.org/dc/dcmitype/"/>
-    <ds:schemaRef ds:uri="http://schemas.microsoft.com/office/infopath/2007/PartnerControls"/>
-    <ds:schemaRef ds:uri="http://schemas.openxmlformats.org/package/2006/metadata/core-properties"/>
-    <ds:schemaRef ds:uri="http://www.w3.org/XML/1998/namespace"/>
+    <ds:schemaRef ds:uri="http://schemas.microsoft.com/sharepoint/events"/>
   </ds:schemaRefs>
 </ds:datastoreItem>
 </file>

--- a/Session 2/10.28.2020 Session 2.pptx
+++ b/Session 2/10.28.2020 Session 2.pptx
@@ -6587,8 +6587,8 @@
         </p:nvSpPr>
         <p:spPr>
           <a:xfrm>
-            <a:off x="828675" y="694482"/>
-            <a:ext cx="9595485" cy="659444"/>
+            <a:off x="4615560" y="694482"/>
+            <a:ext cx="5808600" cy="659444"/>
           </a:xfrm>
         </p:spPr>
         <p:txBody>
@@ -6601,36 +6601,6 @@
               <a:rPr lang="en-US" dirty="0"/>
               <a:t>Thanks!</a:t>
             </a:r>
-          </a:p>
-        </p:txBody>
-      </p:sp>
-      <p:sp>
-        <p:nvSpPr>
-          <p:cNvPr id="22" name="Content Placeholder 2">
-            <a:extLst>
-              <a:ext uri="{FF2B5EF4-FFF2-40B4-BE49-F238E27FC236}">
-                <a16:creationId xmlns:a16="http://schemas.microsoft.com/office/drawing/2014/main" id="{4DBF40B7-988B-4A71-B239-76AD7DAC0505}"/>
-              </a:ext>
-            </a:extLst>
-          </p:cNvPr>
-          <p:cNvSpPr>
-            <a:spLocks noGrp="1"/>
-          </p:cNvSpPr>
-          <p:nvPr>
-            <p:ph sz="half" idx="1"/>
-          </p:nvPr>
-        </p:nvSpPr>
-        <p:spPr>
-          <a:xfrm>
-            <a:off x="828675" y="2114868"/>
-            <a:ext cx="4544872" cy="5350804"/>
-          </a:xfrm>
-        </p:spPr>
-        <p:txBody>
-          <a:bodyPr/>
-          <a:lstStyle/>
-          <a:p>
-            <a:endParaRPr lang="en-US"/>
           </a:p>
         </p:txBody>
       </p:sp>
@@ -6750,7 +6720,15 @@
             <a:off x="5879289" y="2114868"/>
             <a:ext cx="4544872" cy="5350804"/>
           </a:xfrm>
-          <a:noFill/>
+          <a:prstGeom prst="rect">
+            <a:avLst/>
+          </a:prstGeom>
+          <a:ln>
+            <a:noFill/>
+          </a:ln>
+          <a:effectLst>
+            <a:softEdge rad="112500"/>
+          </a:effectLst>
         </p:spPr>
       </p:pic>
       <p:sp>
@@ -6829,6 +6807,58 @@
           </a:p>
         </p:txBody>
       </p:sp>
+      <p:pic>
+        <p:nvPicPr>
+          <p:cNvPr id="1026" name="Picture 2" descr="Buy Helicoptor Buzz Gift Experience | Experience days | Argos">
+            <a:extLst>
+              <a:ext uri="{FF2B5EF4-FFF2-40B4-BE49-F238E27FC236}">
+                <a16:creationId xmlns:a16="http://schemas.microsoft.com/office/drawing/2014/main" id="{31146028-87E9-624D-B053-92ACD255C649}"/>
+              </a:ext>
+            </a:extLst>
+          </p:cNvPr>
+          <p:cNvPicPr>
+            <a:picLocks noChangeAspect="1" noChangeArrowheads="1"/>
+          </p:cNvPicPr>
+          <p:nvPr/>
+        </p:nvPicPr>
+        <p:blipFill>
+          <a:blip r:embed="rId3">
+            <a:extLst>
+              <a:ext uri="{28A0092B-C50C-407E-A947-70E740481C1C}">
+                <a14:useLocalDpi xmlns:a14="http://schemas.microsoft.com/office/drawing/2010/main" val="0"/>
+              </a:ext>
+            </a:extLst>
+          </a:blip>
+          <a:srcRect/>
+          <a:stretch>
+            <a:fillRect/>
+          </a:stretch>
+        </p:blipFill>
+        <p:spPr bwMode="auto">
+          <a:xfrm>
+            <a:off x="501393" y="2183959"/>
+            <a:ext cx="5212621" cy="5212621"/>
+          </a:xfrm>
+          <a:prstGeom prst="rect">
+            <a:avLst/>
+          </a:prstGeom>
+          <a:ln>
+            <a:noFill/>
+          </a:ln>
+          <a:effectLst>
+            <a:softEdge rad="112500"/>
+          </a:effectLst>
+          <a:extLst>
+            <a:ext uri="{909E8E84-426E-40DD-AFC4-6F175D3DCCD1}">
+              <a14:hiddenFill xmlns:a14="http://schemas.microsoft.com/office/drawing/2010/main">
+                <a:solidFill>
+                  <a:srgbClr val="FFFFFF"/>
+                </a:solidFill>
+              </a14:hiddenFill>
+            </a:ext>
+          </a:extLst>
+        </p:spPr>
+      </p:pic>
     </p:spTree>
     <p:extLst>
       <p:ext uri="{BB962C8B-B14F-4D97-AF65-F5344CB8AC3E}">
@@ -7441,14 +7471,6 @@
 <file path=ppt/slides/slide3.xml><?xml version="1.0" encoding="utf-8"?>
 <p:sld xmlns:a="http://schemas.openxmlformats.org/drawingml/2006/main" xmlns:r="http://schemas.openxmlformats.org/officeDocument/2006/relationships" xmlns:p="http://schemas.openxmlformats.org/presentationml/2006/main">
   <p:cSld>
-    <p:bg>
-      <p:bgPr>
-        <a:solidFill>
-          <a:schemeClr val="bg1"/>
-        </a:solidFill>
-        <a:effectLst/>
-      </p:bgPr>
-    </p:bg>
     <p:spTree>
       <p:nvGrpSpPr>
         <p:cNvPr id="1" name=""/>
@@ -7484,9 +7506,6 @@
             <a:off x="828675" y="694482"/>
             <a:ext cx="9595485" cy="659444"/>
           </a:xfrm>
-          <a:prstGeom prst="rect">
-            <a:avLst/>
-          </a:prstGeom>
         </p:spPr>
         <p:txBody>
           <a:bodyPr>
@@ -7501,42 +7520,43 @@
           </a:p>
         </p:txBody>
       </p:sp>
-      <p:sp>
-        <p:nvSpPr>
-          <p:cNvPr id="14" name="Text Placeholder 3">
+      <p:pic>
+        <p:nvPicPr>
+          <p:cNvPr id="5" name="Picture 4" descr="Graphical user interface, application&#10;&#10;Description automatically generated">
             <a:extLst>
               <a:ext uri="{FF2B5EF4-FFF2-40B4-BE49-F238E27FC236}">
-                <a16:creationId xmlns:a16="http://schemas.microsoft.com/office/drawing/2014/main" id="{9E70728F-3B94-4CCF-8936-269C0069F43C}"/>
+                <a16:creationId xmlns:a16="http://schemas.microsoft.com/office/drawing/2014/main" id="{432D87D1-E522-AC40-BAF1-E4E0DCE70833}"/>
               </a:ext>
             </a:extLst>
           </p:cNvPr>
-          <p:cNvSpPr>
-            <a:spLocks noGrp="1"/>
-          </p:cNvSpPr>
-          <p:nvPr>
-            <p:ph type="body" sz="quarter" idx="11"/>
-          </p:nvPr>
-        </p:nvSpPr>
-        <p:spPr>
-          <a:xfrm>
-            <a:off x="1944572" y="7866925"/>
-            <a:ext cx="1045090" cy="304800"/>
-          </a:xfrm>
-        </p:spPr>
-        <p:txBody>
-          <a:bodyPr/>
-          <a:lstStyle/>
-          <a:p>
-            <a:endParaRPr lang="en-US"/>
-          </a:p>
-        </p:txBody>
-      </p:sp>
-      <p:sp>
-        <p:nvSpPr>
-          <p:cNvPr id="16" name="Text Placeholder 4">
+          <p:cNvPicPr>
+            <a:picLocks noChangeAspect="1"/>
+          </p:cNvPicPr>
+          <p:nvPr/>
+        </p:nvPicPr>
+        <p:blipFill>
+          <a:blip r:embed="rId2"/>
+          <a:stretch>
+            <a:fillRect/>
+          </a:stretch>
+        </p:blipFill>
+        <p:spPr>
+          <a:xfrm>
+            <a:off x="2779068" y="1240182"/>
+            <a:ext cx="4971107" cy="6740487"/>
+          </a:xfrm>
+          <a:prstGeom prst="rect">
+            <a:avLst/>
+          </a:prstGeom>
+          <a:noFill/>
+        </p:spPr>
+      </p:pic>
+      <p:sp>
+        <p:nvSpPr>
+          <p:cNvPr id="37" name="Text Placeholder 3">
             <a:extLst>
               <a:ext uri="{FF2B5EF4-FFF2-40B4-BE49-F238E27FC236}">
-                <a16:creationId xmlns:a16="http://schemas.microsoft.com/office/drawing/2014/main" id="{A18E5910-9AFE-4225-A085-51C0F4D6C643}"/>
+                <a16:creationId xmlns:a16="http://schemas.microsoft.com/office/drawing/2014/main" id="{E1922409-FBD5-45F1-8598-B6419D182CA0}"/>
               </a:ext>
             </a:extLst>
           </p:cNvPr>
@@ -7544,13 +7564,13 @@
             <a:spLocks noGrp="1"/>
           </p:cNvSpPr>
           <p:nvPr>
-            <p:ph type="body" sz="quarter" idx="12"/>
-          </p:nvPr>
-        </p:nvSpPr>
-        <p:spPr>
-          <a:xfrm>
-            <a:off x="3107704" y="7866925"/>
-            <a:ext cx="1731279" cy="304800"/>
+            <p:ph type="body" sz="quarter" idx="11"/>
+          </p:nvPr>
+        </p:nvSpPr>
+        <p:spPr>
+          <a:xfrm>
+            <a:off x="1944573" y="7866925"/>
+            <a:ext cx="893365" cy="304800"/>
           </a:xfrm>
         </p:spPr>
         <p:txBody>
@@ -7563,10 +7583,70 @@
       </p:sp>
       <p:sp>
         <p:nvSpPr>
-          <p:cNvPr id="18" name="Text Placeholder 5">
+          <p:cNvPr id="39" name="Text Placeholder 4">
             <a:extLst>
               <a:ext uri="{FF2B5EF4-FFF2-40B4-BE49-F238E27FC236}">
-                <a16:creationId xmlns:a16="http://schemas.microsoft.com/office/drawing/2014/main" id="{E8C655B9-9618-4DD2-8FC4-E1760A7FB86A}"/>
+                <a16:creationId xmlns:a16="http://schemas.microsoft.com/office/drawing/2014/main" id="{A527B2D7-41E1-4034-9793-586931AA8320}"/>
+              </a:ext>
+            </a:extLst>
+          </p:cNvPr>
+          <p:cNvSpPr>
+            <a:spLocks noGrp="1"/>
+          </p:cNvSpPr>
+          <p:nvPr>
+            <p:ph type="body" sz="quarter" idx="12"/>
+          </p:nvPr>
+        </p:nvSpPr>
+        <p:spPr>
+          <a:xfrm>
+            <a:off x="3107704" y="7866925"/>
+            <a:ext cx="893365" cy="304800"/>
+          </a:xfrm>
+        </p:spPr>
+        <p:txBody>
+          <a:bodyPr/>
+          <a:lstStyle/>
+          <a:p>
+            <a:endParaRPr lang="en-US"/>
+          </a:p>
+        </p:txBody>
+      </p:sp>
+      <p:sp>
+        <p:nvSpPr>
+          <p:cNvPr id="41" name="Text Placeholder 5">
+            <a:extLst>
+              <a:ext uri="{FF2B5EF4-FFF2-40B4-BE49-F238E27FC236}">
+                <a16:creationId xmlns:a16="http://schemas.microsoft.com/office/drawing/2014/main" id="{A36C6CD5-8EDE-4365-BE9F-B0E6CE03F163}"/>
+              </a:ext>
+            </a:extLst>
+          </p:cNvPr>
+          <p:cNvSpPr>
+            <a:spLocks noGrp="1"/>
+          </p:cNvSpPr>
+          <p:nvPr>
+            <p:ph type="body" sz="quarter" idx="13"/>
+          </p:nvPr>
+        </p:nvSpPr>
+        <p:spPr>
+          <a:xfrm>
+            <a:off x="4270836" y="7866925"/>
+            <a:ext cx="893365" cy="304800"/>
+          </a:xfrm>
+        </p:spPr>
+        <p:txBody>
+          <a:bodyPr/>
+          <a:lstStyle/>
+          <a:p>
+            <a:endParaRPr lang="en-US"/>
+          </a:p>
+        </p:txBody>
+      </p:sp>
+      <p:sp>
+        <p:nvSpPr>
+          <p:cNvPr id="43" name="Text Placeholder 6">
+            <a:extLst>
+              <a:ext uri="{FF2B5EF4-FFF2-40B4-BE49-F238E27FC236}">
+                <a16:creationId xmlns:a16="http://schemas.microsoft.com/office/drawing/2014/main" id="{F65E2ED4-301C-465A-A111-02EAFE070811}"/>
               </a:ext>
             </a:extLst>
           </p:cNvPr>
@@ -7609,12 +7689,9 @@
         </p:nvSpPr>
         <p:spPr>
           <a:xfrm>
-            <a:off x="7749779" y="7426464"/>
-            <a:ext cx="2468165" cy="438150"/>
-          </a:xfrm>
-          <a:prstGeom prst="rect">
-            <a:avLst/>
-          </a:prstGeom>
+            <a:off x="7750175" y="7410228"/>
+            <a:ext cx="2468563" cy="438150"/>
+          </a:xfrm>
         </p:spPr>
         <p:txBody>
           <a:bodyPr anchor="ctr">
@@ -10380,77 +10457,6 @@
 </file>
 
 <file path=customXml/item1.xml><?xml version="1.0" encoding="utf-8"?>
-<p:properties xmlns:p="http://schemas.microsoft.com/office/2006/metadata/properties" xmlns:xsi="http://www.w3.org/2001/XMLSchema-instance" xmlns:pc="http://schemas.microsoft.com/office/infopath/2007/PartnerControls">
-  <documentManagement>
-    <_dlc_DocId xmlns="402b49ca-617a-4412-a136-22a821ef8eb4">PULSEDOC-1743074161-10</_dlc_DocId>
-    <_dlc_DocIdUrl xmlns="402b49ca-617a-4412-a136-22a821ef8eb4">
-      <Url>https://pulse.utah.edu/site/marcomm/_layouts/15/DocIdRedir.aspx?ID=PULSEDOC-1743074161-10</Url>
-      <Description>PULSEDOC-1743074161-10</Description>
-    </_dlc_DocIdUrl>
-  </documentManagement>
-</p:properties>
-</file>
-
-<file path=customXml/item2.xml><?xml version="1.0" encoding="utf-8"?>
-<?mso-contentType ?>
-<FormTemplates xmlns="http://schemas.microsoft.com/sharepoint/v3/contenttype/forms">
-  <Display>DocumentLibraryForm</Display>
-  <Edit>DocumentLibraryForm</Edit>
-  <New>DocumentLibraryForm</New>
-</FormTemplates>
-</file>
-
-<file path=customXml/item3.xml><?xml version="1.0" encoding="utf-8"?>
-<?mso-contentType ?>
-<spe:Receivers xmlns:spe="http://schemas.microsoft.com/sharepoint/events">
-  <Receiver>
-    <Name>Document ID Generator</Name>
-    <Synchronization>Synchronous</Synchronization>
-    <Type>10001</Type>
-    <SequenceNumber>1000</SequenceNumber>
-    <Url/>
-    <Assembly>Microsoft.Office.DocumentManagement, Version=15.0.0.0, Culture=neutral, PublicKeyToken=71e9bce111e9429c</Assembly>
-    <Class>Microsoft.Office.DocumentManagement.Internal.DocIdHandler</Class>
-    <Data/>
-    <Filter/>
-  </Receiver>
-  <Receiver>
-    <Name>Document ID Generator</Name>
-    <Synchronization>Synchronous</Synchronization>
-    <Type>10002</Type>
-    <SequenceNumber>1001</SequenceNumber>
-    <Url/>
-    <Assembly>Microsoft.Office.DocumentManagement, Version=15.0.0.0, Culture=neutral, PublicKeyToken=71e9bce111e9429c</Assembly>
-    <Class>Microsoft.Office.DocumentManagement.Internal.DocIdHandler</Class>
-    <Data/>
-    <Filter/>
-  </Receiver>
-  <Receiver>
-    <Name>Document ID Generator</Name>
-    <Synchronization>Synchronous</Synchronization>
-    <Type>10004</Type>
-    <SequenceNumber>1002</SequenceNumber>
-    <Url/>
-    <Assembly>Microsoft.Office.DocumentManagement, Version=15.0.0.0, Culture=neutral, PublicKeyToken=71e9bce111e9429c</Assembly>
-    <Class>Microsoft.Office.DocumentManagement.Internal.DocIdHandler</Class>
-    <Data/>
-    <Filter/>
-  </Receiver>
-  <Receiver>
-    <Name>Document ID Generator</Name>
-    <Synchronization>Synchronous</Synchronization>
-    <Type>10006</Type>
-    <SequenceNumber>1003</SequenceNumber>
-    <Url/>
-    <Assembly>Microsoft.Office.DocumentManagement, Version=15.0.0.0, Culture=neutral, PublicKeyToken=71e9bce111e9429c</Assembly>
-    <Class>Microsoft.Office.DocumentManagement.Internal.DocIdHandler</Class>
-    <Data/>
-    <Filter/>
-  </Receiver>
-</spe:Receivers>
-</file>
-
-<file path=customXml/item4.xml><?xml version="1.0" encoding="utf-8"?>
 <ct:contentTypeSchema xmlns:ct="http://schemas.microsoft.com/office/2006/metadata/contentType" xmlns:ma="http://schemas.microsoft.com/office/2006/metadata/properties/metaAttributes" ct:_="" ma:_="" ma:contentTypeName="Document" ma:contentTypeID="0x0101000B7F15D18245C1458954909DB36AE657" ma:contentTypeVersion="0" ma:contentTypeDescription="Create a new document." ma:contentTypeScope="" ma:versionID="31d1ffe5a42fea02fd9322eb624dbb2b">
   <xsd:schema xmlns:xsd="http://www.w3.org/2001/XMLSchema" xmlns:xs="http://www.w3.org/2001/XMLSchema" xmlns:p="http://schemas.microsoft.com/office/2006/metadata/properties" xmlns:ns2="402b49ca-617a-4412-a136-22a821ef8eb4" targetNamespace="http://schemas.microsoft.com/office/2006/metadata/properties" ma:root="true" ma:fieldsID="2b995caac7fa654b91bcd9862e99db1b" ns2:_="">
     <xsd:import namespace="402b49ca-617a-4412-a136-22a821ef8eb4"/>
@@ -10595,39 +10601,78 @@
 </ct:contentTypeSchema>
 </file>
 
-<file path=customXml/itemProps1.xml><?xml version="1.0" encoding="utf-8"?>
-<ds:datastoreItem xmlns:ds="http://schemas.openxmlformats.org/officeDocument/2006/customXml" ds:itemID="{405D53D2-4C8C-4500-874F-8AD70E4DEB2D}">
-  <ds:schemaRefs>
-    <ds:schemaRef ds:uri="http://schemas.microsoft.com/office/2006/documentManagement/types"/>
-    <ds:schemaRef ds:uri="http://purl.org/dc/terms/"/>
-    <ds:schemaRef ds:uri="http://schemas.microsoft.com/office/2006/metadata/properties"/>
-    <ds:schemaRef ds:uri="402b49ca-617a-4412-a136-22a821ef8eb4"/>
-    <ds:schemaRef ds:uri="http://purl.org/dc/elements/1.1/"/>
-    <ds:schemaRef ds:uri="http://purl.org/dc/dcmitype/"/>
-    <ds:schemaRef ds:uri="http://schemas.microsoft.com/office/infopath/2007/PartnerControls"/>
-    <ds:schemaRef ds:uri="http://schemas.openxmlformats.org/package/2006/metadata/core-properties"/>
-    <ds:schemaRef ds:uri="http://www.w3.org/XML/1998/namespace"/>
-  </ds:schemaRefs>
-</ds:datastoreItem>
+<file path=customXml/item2.xml><?xml version="1.0" encoding="utf-8"?>
+<?mso-contentType ?>
+<spe:Receivers xmlns:spe="http://schemas.microsoft.com/sharepoint/events">
+  <Receiver>
+    <Name>Document ID Generator</Name>
+    <Synchronization>Synchronous</Synchronization>
+    <Type>10001</Type>
+    <SequenceNumber>1000</SequenceNumber>
+    <Url/>
+    <Assembly>Microsoft.Office.DocumentManagement, Version=15.0.0.0, Culture=neutral, PublicKeyToken=71e9bce111e9429c</Assembly>
+    <Class>Microsoft.Office.DocumentManagement.Internal.DocIdHandler</Class>
+    <Data/>
+    <Filter/>
+  </Receiver>
+  <Receiver>
+    <Name>Document ID Generator</Name>
+    <Synchronization>Synchronous</Synchronization>
+    <Type>10002</Type>
+    <SequenceNumber>1001</SequenceNumber>
+    <Url/>
+    <Assembly>Microsoft.Office.DocumentManagement, Version=15.0.0.0, Culture=neutral, PublicKeyToken=71e9bce111e9429c</Assembly>
+    <Class>Microsoft.Office.DocumentManagement.Internal.DocIdHandler</Class>
+    <Data/>
+    <Filter/>
+  </Receiver>
+  <Receiver>
+    <Name>Document ID Generator</Name>
+    <Synchronization>Synchronous</Synchronization>
+    <Type>10004</Type>
+    <SequenceNumber>1002</SequenceNumber>
+    <Url/>
+    <Assembly>Microsoft.Office.DocumentManagement, Version=15.0.0.0, Culture=neutral, PublicKeyToken=71e9bce111e9429c</Assembly>
+    <Class>Microsoft.Office.DocumentManagement.Internal.DocIdHandler</Class>
+    <Data/>
+    <Filter/>
+  </Receiver>
+  <Receiver>
+    <Name>Document ID Generator</Name>
+    <Synchronization>Synchronous</Synchronization>
+    <Type>10006</Type>
+    <SequenceNumber>1003</SequenceNumber>
+    <Url/>
+    <Assembly>Microsoft.Office.DocumentManagement, Version=15.0.0.0, Culture=neutral, PublicKeyToken=71e9bce111e9429c</Assembly>
+    <Class>Microsoft.Office.DocumentManagement.Internal.DocIdHandler</Class>
+    <Data/>
+    <Filter/>
+  </Receiver>
+</spe:Receivers>
 </file>
 
-<file path=customXml/itemProps2.xml><?xml version="1.0" encoding="utf-8"?>
-<ds:datastoreItem xmlns:ds="http://schemas.openxmlformats.org/officeDocument/2006/customXml" ds:itemID="{BCDE85B8-B306-4605-8819-4A30DA8C0D5D}">
-  <ds:schemaRefs>
-    <ds:schemaRef ds:uri="http://schemas.microsoft.com/sharepoint/v3/contenttype/forms"/>
-  </ds:schemaRefs>
-</ds:datastoreItem>
+<file path=customXml/item3.xml><?xml version="1.0" encoding="utf-8"?>
+<?mso-contentType ?>
+<FormTemplates xmlns="http://schemas.microsoft.com/sharepoint/v3/contenttype/forms">
+  <Display>DocumentLibraryForm</Display>
+  <Edit>DocumentLibraryForm</Edit>
+  <New>DocumentLibraryForm</New>
+</FormTemplates>
 </file>
 
-<file path=customXml/itemProps3.xml><?xml version="1.0" encoding="utf-8"?>
-<ds:datastoreItem xmlns:ds="http://schemas.openxmlformats.org/officeDocument/2006/customXml" ds:itemID="{496F08B7-1F71-4F99-B35D-690FBC859C9A}">
-  <ds:schemaRefs>
-    <ds:schemaRef ds:uri="http://schemas.microsoft.com/sharepoint/events"/>
-  </ds:schemaRefs>
-</ds:datastoreItem>
+<file path=customXml/item4.xml><?xml version="1.0" encoding="utf-8"?>
+<p:properties xmlns:p="http://schemas.microsoft.com/office/2006/metadata/properties" xmlns:xsi="http://www.w3.org/2001/XMLSchema-instance" xmlns:pc="http://schemas.microsoft.com/office/infopath/2007/PartnerControls">
+  <documentManagement>
+    <_dlc_DocId xmlns="402b49ca-617a-4412-a136-22a821ef8eb4">PULSEDOC-1743074161-10</_dlc_DocId>
+    <_dlc_DocIdUrl xmlns="402b49ca-617a-4412-a136-22a821ef8eb4">
+      <Url>https://pulse.utah.edu/site/marcomm/_layouts/15/DocIdRedir.aspx?ID=PULSEDOC-1743074161-10</Url>
+      <Description>PULSEDOC-1743074161-10</Description>
+    </_dlc_DocIdUrl>
+  </documentManagement>
+</p:properties>
 </file>
 
-<file path=customXml/itemProps4.xml><?xml version="1.0" encoding="utf-8"?>
+<file path=customXml/itemProps1.xml><?xml version="1.0" encoding="utf-8"?>
 <ds:datastoreItem xmlns:ds="http://schemas.openxmlformats.org/officeDocument/2006/customXml" ds:itemID="{E546632D-6F77-41CB-AF7B-1A02CDAC0F6B}">
   <ds:schemaRefs>
     <ds:schemaRef ds:uri="http://schemas.microsoft.com/office/2006/metadata/contentType"/>
@@ -10643,4 +10688,36 @@
     <ds:schemaRef ds:uri="http://schemas.microsoft.com/internal/obd"/>
   </ds:schemaRefs>
 </ds:datastoreItem>
+</file>
+
+<file path=customXml/itemProps2.xml><?xml version="1.0" encoding="utf-8"?>
+<ds:datastoreItem xmlns:ds="http://schemas.openxmlformats.org/officeDocument/2006/customXml" ds:itemID="{496F08B7-1F71-4F99-B35D-690FBC859C9A}">
+  <ds:schemaRefs>
+    <ds:schemaRef ds:uri="http://schemas.microsoft.com/sharepoint/events"/>
+  </ds:schemaRefs>
+</ds:datastoreItem>
+</file>
+
+<file path=customXml/itemProps3.xml><?xml version="1.0" encoding="utf-8"?>
+<ds:datastoreItem xmlns:ds="http://schemas.openxmlformats.org/officeDocument/2006/customXml" ds:itemID="{BCDE85B8-B306-4605-8819-4A30DA8C0D5D}">
+  <ds:schemaRefs>
+    <ds:schemaRef ds:uri="http://schemas.microsoft.com/sharepoint/v3/contenttype/forms"/>
+  </ds:schemaRefs>
+</ds:datastoreItem>
+</file>
+
+<file path=customXml/itemProps4.xml><?xml version="1.0" encoding="utf-8"?>
+<ds:datastoreItem xmlns:ds="http://schemas.openxmlformats.org/officeDocument/2006/customXml" ds:itemID="{405D53D2-4C8C-4500-874F-8AD70E4DEB2D}">
+  <ds:schemaRefs>
+    <ds:schemaRef ds:uri="http://schemas.microsoft.com/office/2006/documentManagement/types"/>
+    <ds:schemaRef ds:uri="http://purl.org/dc/terms/"/>
+    <ds:schemaRef ds:uri="http://schemas.microsoft.com/office/2006/metadata/properties"/>
+    <ds:schemaRef ds:uri="402b49ca-617a-4412-a136-22a821ef8eb4"/>
+    <ds:schemaRef ds:uri="http://purl.org/dc/elements/1.1/"/>
+    <ds:schemaRef ds:uri="http://purl.org/dc/dcmitype/"/>
+    <ds:schemaRef ds:uri="http://schemas.microsoft.com/office/infopath/2007/PartnerControls"/>
+    <ds:schemaRef ds:uri="http://schemas.openxmlformats.org/package/2006/metadata/core-properties"/>
+    <ds:schemaRef ds:uri="http://www.w3.org/XML/1998/namespace"/>
+  </ds:schemaRefs>
+</ds:datastoreItem>
 </file>
--- a/Session 2/10.28.2020 Session 2.pptx
+++ b/Session 2/10.28.2020 Session 2.pptx
@@ -9276,7 +9276,7 @@
         <p:spPr>
           <a:xfrm>
             <a:off x="2717569" y="5040371"/>
-            <a:ext cx="4434291" cy="978729"/>
+            <a:ext cx="4067396" cy="978729"/>
           </a:xfrm>
           <a:prstGeom prst="rect">
             <a:avLst/>
@@ -9300,12 +9300,12 @@
               <a:buChar char="•"/>
             </a:pPr>
             <a:r>
-              <a:rPr lang="en-US" dirty="0"/>
-              <a:t>COVID-logistic-</a:t>
+              <a:rPr lang="en-US"/>
+              <a:t>chord_interactive.</a:t>
             </a:r>
             <a:r>
               <a:rPr lang="en-US" dirty="0" err="1"/>
-              <a:t>State.html</a:t>
+              <a:t>html</a:t>
             </a:r>
             <a:endParaRPr lang="en-US" dirty="0"/>
           </a:p>
@@ -10457,6 +10457,77 @@
 </file>
 
 <file path=customXml/item1.xml><?xml version="1.0" encoding="utf-8"?>
+<p:properties xmlns:p="http://schemas.microsoft.com/office/2006/metadata/properties" xmlns:xsi="http://www.w3.org/2001/XMLSchema-instance" xmlns:pc="http://schemas.microsoft.com/office/infopath/2007/PartnerControls">
+  <documentManagement>
+    <_dlc_DocId xmlns="402b49ca-617a-4412-a136-22a821ef8eb4">PULSEDOC-1743074161-10</_dlc_DocId>
+    <_dlc_DocIdUrl xmlns="402b49ca-617a-4412-a136-22a821ef8eb4">
+      <Url>https://pulse.utah.edu/site/marcomm/_layouts/15/DocIdRedir.aspx?ID=PULSEDOC-1743074161-10</Url>
+      <Description>PULSEDOC-1743074161-10</Description>
+    </_dlc_DocIdUrl>
+  </documentManagement>
+</p:properties>
+</file>
+
+<file path=customXml/item2.xml><?xml version="1.0" encoding="utf-8"?>
+<?mso-contentType ?>
+<FormTemplates xmlns="http://schemas.microsoft.com/sharepoint/v3/contenttype/forms">
+  <Display>DocumentLibraryForm</Display>
+  <Edit>DocumentLibraryForm</Edit>
+  <New>DocumentLibraryForm</New>
+</FormTemplates>
+</file>
+
+<file path=customXml/item3.xml><?xml version="1.0" encoding="utf-8"?>
+<?mso-contentType ?>
+<spe:Receivers xmlns:spe="http://schemas.microsoft.com/sharepoint/events">
+  <Receiver>
+    <Name>Document ID Generator</Name>
+    <Synchronization>Synchronous</Synchronization>
+    <Type>10001</Type>
+    <SequenceNumber>1000</SequenceNumber>
+    <Url/>
+    <Assembly>Microsoft.Office.DocumentManagement, Version=15.0.0.0, Culture=neutral, PublicKeyToken=71e9bce111e9429c</Assembly>
+    <Class>Microsoft.Office.DocumentManagement.Internal.DocIdHandler</Class>
+    <Data/>
+    <Filter/>
+  </Receiver>
+  <Receiver>
+    <Name>Document ID Generator</Name>
+    <Synchronization>Synchronous</Synchronization>
+    <Type>10002</Type>
+    <SequenceNumber>1001</SequenceNumber>
+    <Url/>
+    <Assembly>Microsoft.Office.DocumentManagement, Version=15.0.0.0, Culture=neutral, PublicKeyToken=71e9bce111e9429c</Assembly>
+    <Class>Microsoft.Office.DocumentManagement.Internal.DocIdHandler</Class>
+    <Data/>
+    <Filter/>
+  </Receiver>
+  <Receiver>
+    <Name>Document ID Generator</Name>
+    <Synchronization>Synchronous</Synchronization>
+    <Type>10004</Type>
+    <SequenceNumber>1002</SequenceNumber>
+    <Url/>
+    <Assembly>Microsoft.Office.DocumentManagement, Version=15.0.0.0, Culture=neutral, PublicKeyToken=71e9bce111e9429c</Assembly>
+    <Class>Microsoft.Office.DocumentManagement.Internal.DocIdHandler</Class>
+    <Data/>
+    <Filter/>
+  </Receiver>
+  <Receiver>
+    <Name>Document ID Generator</Name>
+    <Synchronization>Synchronous</Synchronization>
+    <Type>10006</Type>
+    <SequenceNumber>1003</SequenceNumber>
+    <Url/>
+    <Assembly>Microsoft.Office.DocumentManagement, Version=15.0.0.0, Culture=neutral, PublicKeyToken=71e9bce111e9429c</Assembly>
+    <Class>Microsoft.Office.DocumentManagement.Internal.DocIdHandler</Class>
+    <Data/>
+    <Filter/>
+  </Receiver>
+</spe:Receivers>
+</file>
+
+<file path=customXml/item4.xml><?xml version="1.0" encoding="utf-8"?>
 <ct:contentTypeSchema xmlns:ct="http://schemas.microsoft.com/office/2006/metadata/contentType" xmlns:ma="http://schemas.microsoft.com/office/2006/metadata/properties/metaAttributes" ct:_="" ma:_="" ma:contentTypeName="Document" ma:contentTypeID="0x0101000B7F15D18245C1458954909DB36AE657" ma:contentTypeVersion="0" ma:contentTypeDescription="Create a new document." ma:contentTypeScope="" ma:versionID="31d1ffe5a42fea02fd9322eb624dbb2b">
   <xsd:schema xmlns:xsd="http://www.w3.org/2001/XMLSchema" xmlns:xs="http://www.w3.org/2001/XMLSchema" xmlns:p="http://schemas.microsoft.com/office/2006/metadata/properties" xmlns:ns2="402b49ca-617a-4412-a136-22a821ef8eb4" targetNamespace="http://schemas.microsoft.com/office/2006/metadata/properties" ma:root="true" ma:fieldsID="2b995caac7fa654b91bcd9862e99db1b" ns2:_="">
     <xsd:import namespace="402b49ca-617a-4412-a136-22a821ef8eb4"/>
@@ -10601,78 +10672,39 @@
 </ct:contentTypeSchema>
 </file>
 
-<file path=customXml/item2.xml><?xml version="1.0" encoding="utf-8"?>
-<?mso-contentType ?>
-<spe:Receivers xmlns:spe="http://schemas.microsoft.com/sharepoint/events">
-  <Receiver>
-    <Name>Document ID Generator</Name>
-    <Synchronization>Synchronous</Synchronization>
-    <Type>10001</Type>
-    <SequenceNumber>1000</SequenceNumber>
-    <Url/>
-    <Assembly>Microsoft.Office.DocumentManagement, Version=15.0.0.0, Culture=neutral, PublicKeyToken=71e9bce111e9429c</Assembly>
-    <Class>Microsoft.Office.DocumentManagement.Internal.DocIdHandler</Class>
-    <Data/>
-    <Filter/>
-  </Receiver>
-  <Receiver>
-    <Name>Document ID Generator</Name>
-    <Synchronization>Synchronous</Synchronization>
-    <Type>10002</Type>
-    <SequenceNumber>1001</SequenceNumber>
-    <Url/>
-    <Assembly>Microsoft.Office.DocumentManagement, Version=15.0.0.0, Culture=neutral, PublicKeyToken=71e9bce111e9429c</Assembly>
-    <Class>Microsoft.Office.DocumentManagement.Internal.DocIdHandler</Class>
-    <Data/>
-    <Filter/>
-  </Receiver>
-  <Receiver>
-    <Name>Document ID Generator</Name>
-    <Synchronization>Synchronous</Synchronization>
-    <Type>10004</Type>
-    <SequenceNumber>1002</SequenceNumber>
-    <Url/>
-    <Assembly>Microsoft.Office.DocumentManagement, Version=15.0.0.0, Culture=neutral, PublicKeyToken=71e9bce111e9429c</Assembly>
-    <Class>Microsoft.Office.DocumentManagement.Internal.DocIdHandler</Class>
-    <Data/>
-    <Filter/>
-  </Receiver>
-  <Receiver>
-    <Name>Document ID Generator</Name>
-    <Synchronization>Synchronous</Synchronization>
-    <Type>10006</Type>
-    <SequenceNumber>1003</SequenceNumber>
-    <Url/>
-    <Assembly>Microsoft.Office.DocumentManagement, Version=15.0.0.0, Culture=neutral, PublicKeyToken=71e9bce111e9429c</Assembly>
-    <Class>Microsoft.Office.DocumentManagement.Internal.DocIdHandler</Class>
-    <Data/>
-    <Filter/>
-  </Receiver>
-</spe:Receivers>
+<file path=customXml/itemProps1.xml><?xml version="1.0" encoding="utf-8"?>
+<ds:datastoreItem xmlns:ds="http://schemas.openxmlformats.org/officeDocument/2006/customXml" ds:itemID="{405D53D2-4C8C-4500-874F-8AD70E4DEB2D}">
+  <ds:schemaRefs>
+    <ds:schemaRef ds:uri="http://schemas.microsoft.com/office/2006/documentManagement/types"/>
+    <ds:schemaRef ds:uri="http://purl.org/dc/terms/"/>
+    <ds:schemaRef ds:uri="http://schemas.microsoft.com/office/2006/metadata/properties"/>
+    <ds:schemaRef ds:uri="402b49ca-617a-4412-a136-22a821ef8eb4"/>
+    <ds:schemaRef ds:uri="http://purl.org/dc/elements/1.1/"/>
+    <ds:schemaRef ds:uri="http://purl.org/dc/dcmitype/"/>
+    <ds:schemaRef ds:uri="http://schemas.microsoft.com/office/infopath/2007/PartnerControls"/>
+    <ds:schemaRef ds:uri="http://schemas.openxmlformats.org/package/2006/metadata/core-properties"/>
+    <ds:schemaRef ds:uri="http://www.w3.org/XML/1998/namespace"/>
+  </ds:schemaRefs>
+</ds:datastoreItem>
 </file>
 
-<file path=customXml/item3.xml><?xml version="1.0" encoding="utf-8"?>
-<?mso-contentType ?>
-<FormTemplates xmlns="http://schemas.microsoft.com/sharepoint/v3/contenttype/forms">
-  <Display>DocumentLibraryForm</Display>
-  <Edit>DocumentLibraryForm</Edit>
-  <New>DocumentLibraryForm</New>
-</FormTemplates>
+<file path=customXml/itemProps2.xml><?xml version="1.0" encoding="utf-8"?>
+<ds:datastoreItem xmlns:ds="http://schemas.openxmlformats.org/officeDocument/2006/customXml" ds:itemID="{BCDE85B8-B306-4605-8819-4A30DA8C0D5D}">
+  <ds:schemaRefs>
+    <ds:schemaRef ds:uri="http://schemas.microsoft.com/sharepoint/v3/contenttype/forms"/>
+  </ds:schemaRefs>
+</ds:datastoreItem>
 </file>
 
-<file path=customXml/item4.xml><?xml version="1.0" encoding="utf-8"?>
-<p:properties xmlns:p="http://schemas.microsoft.com/office/2006/metadata/properties" xmlns:xsi="http://www.w3.org/2001/XMLSchema-instance" xmlns:pc="http://schemas.microsoft.com/office/infopath/2007/PartnerControls">
-  <documentManagement>
-    <_dlc_DocId xmlns="402b49ca-617a-4412-a136-22a821ef8eb4">PULSEDOC-1743074161-10</_dlc_DocId>
-    <_dlc_DocIdUrl xmlns="402b49ca-617a-4412-a136-22a821ef8eb4">
-      <Url>https://pulse.utah.edu/site/marcomm/_layouts/15/DocIdRedir.aspx?ID=PULSEDOC-1743074161-10</Url>
-      <Description>PULSEDOC-1743074161-10</Description>
-    </_dlc_DocIdUrl>
-  </documentManagement>
-</p:properties>
+<file path=customXml/itemProps3.xml><?xml version="1.0" encoding="utf-8"?>
+<ds:datastoreItem xmlns:ds="http://schemas.openxmlformats.org/officeDocument/2006/customXml" ds:itemID="{496F08B7-1F71-4F99-B35D-690FBC859C9A}">
+  <ds:schemaRefs>
+    <ds:schemaRef ds:uri="http://schemas.microsoft.com/sharepoint/events"/>
+  </ds:schemaRefs>
+</ds:datastoreItem>
 </file>
 
-<file path=customXml/itemProps1.xml><?xml version="1.0" encoding="utf-8"?>
+<file path=customXml/itemProps4.xml><?xml version="1.0" encoding="utf-8"?>
 <ds:datastoreItem xmlns:ds="http://schemas.openxmlformats.org/officeDocument/2006/customXml" ds:itemID="{E546632D-6F77-41CB-AF7B-1A02CDAC0F6B}">
   <ds:schemaRefs>
     <ds:schemaRef ds:uri="http://schemas.microsoft.com/office/2006/metadata/contentType"/>
@@ -10688,36 +10720,4 @@
     <ds:schemaRef ds:uri="http://schemas.microsoft.com/internal/obd"/>
   </ds:schemaRefs>
 </ds:datastoreItem>
-</file>
-
-<file path=customXml/itemProps2.xml><?xml version="1.0" encoding="utf-8"?>
-<ds:datastoreItem xmlns:ds="http://schemas.openxmlformats.org/officeDocument/2006/customXml" ds:itemID="{496F08B7-1F71-4F99-B35D-690FBC859C9A}">
-  <ds:schemaRefs>
-    <ds:schemaRef ds:uri="http://schemas.microsoft.com/sharepoint/events"/>
-  </ds:schemaRefs>
-</ds:datastoreItem>
-</file>
-
-<file path=customXml/itemProps3.xml><?xml version="1.0" encoding="utf-8"?>
-<ds:datastoreItem xmlns:ds="http://schemas.openxmlformats.org/officeDocument/2006/customXml" ds:itemID="{BCDE85B8-B306-4605-8819-4A30DA8C0D5D}">
-  <ds:schemaRefs>
-    <ds:schemaRef ds:uri="http://schemas.microsoft.com/sharepoint/v3/contenttype/forms"/>
-  </ds:schemaRefs>
-</ds:datastoreItem>
-</file>
-
-<file path=customXml/itemProps4.xml><?xml version="1.0" encoding="utf-8"?>
-<ds:datastoreItem xmlns:ds="http://schemas.openxmlformats.org/officeDocument/2006/customXml" ds:itemID="{405D53D2-4C8C-4500-874F-8AD70E4DEB2D}">
-  <ds:schemaRefs>
-    <ds:schemaRef ds:uri="http://schemas.microsoft.com/office/2006/documentManagement/types"/>
-    <ds:schemaRef ds:uri="http://purl.org/dc/terms/"/>
-    <ds:schemaRef ds:uri="http://schemas.microsoft.com/office/2006/metadata/properties"/>
-    <ds:schemaRef ds:uri="402b49ca-617a-4412-a136-22a821ef8eb4"/>
-    <ds:schemaRef ds:uri="http://purl.org/dc/elements/1.1/"/>
-    <ds:schemaRef ds:uri="http://purl.org/dc/dcmitype/"/>
-    <ds:schemaRef ds:uri="http://schemas.microsoft.com/office/infopath/2007/PartnerControls"/>
-    <ds:schemaRef ds:uri="http://schemas.openxmlformats.org/package/2006/metadata/core-properties"/>
-    <ds:schemaRef ds:uri="http://www.w3.org/XML/1998/namespace"/>
-  </ds:schemaRefs>
-</ds:datastoreItem>
 </file>
--- a/Session 2/10.28.2020 Session 2.pptx
+++ b/Session 2/10.28.2020 Session 2.pptx
@@ -9300,12 +9300,8 @@
               <a:buChar char="•"/>
             </a:pPr>
             <a:r>
-              <a:rPr lang="en-US"/>
-              <a:t>chord_interactive.</a:t>
-            </a:r>
-            <a:r>
               <a:rPr lang="en-US" dirty="0" err="1"/>
-              <a:t>html</a:t>
+              <a:t>chord_interactive.html</a:t>
             </a:r>
             <a:endParaRPr lang="en-US" dirty="0"/>
           </a:p>
